--- a/Presentations/CDR_Fall_2015/Individual_Slides/Tyler/CDR_Clayton.pptx
+++ b/Presentations/CDR_Fall_2015/Individual_Slides/Tyler/CDR_Clayton.pptx
@@ -12,6 +12,7 @@
     <p:sldId id="259" r:id="rId6"/>
     <p:sldId id="260" r:id="rId7"/>
     <p:sldId id="258" r:id="rId8"/>
+    <p:sldId id="263" r:id="rId9"/>
   </p:sldIdLst>
   <p:sldSz cx="9144000" cy="6858000" type="screen4x3"/>
   <p:notesSz cx="6858000" cy="9144000"/>
@@ -294,7 +295,7 @@
           <a:p>
             <a:fld id="{A8193F1D-56DB-E44D-9849-55B52730CCEA}" type="datetimeFigureOut">
               <a:rPr lang="en-US" smtClean="0"/>
-              <a:t>12/1/2015</a:t>
+              <a:t>12/3/2015</a:t>
             </a:fld>
             <a:endParaRPr lang="en-US"/>
           </a:p>
@@ -464,7 +465,7 @@
           <a:p>
             <a:fld id="{A8193F1D-56DB-E44D-9849-55B52730CCEA}" type="datetimeFigureOut">
               <a:rPr lang="en-US" smtClean="0"/>
-              <a:t>12/1/2015</a:t>
+              <a:t>12/3/2015</a:t>
             </a:fld>
             <a:endParaRPr lang="en-US"/>
           </a:p>
@@ -644,7 +645,7 @@
           <a:p>
             <a:fld id="{A8193F1D-56DB-E44D-9849-55B52730CCEA}" type="datetimeFigureOut">
               <a:rPr lang="en-US" smtClean="0"/>
-              <a:t>12/1/2015</a:t>
+              <a:t>12/3/2015</a:t>
             </a:fld>
             <a:endParaRPr lang="en-US"/>
           </a:p>
@@ -814,7 +815,7 @@
           <a:p>
             <a:fld id="{A8193F1D-56DB-E44D-9849-55B52730CCEA}" type="datetimeFigureOut">
               <a:rPr lang="en-US" smtClean="0"/>
-              <a:t>12/1/2015</a:t>
+              <a:t>12/3/2015</a:t>
             </a:fld>
             <a:endParaRPr lang="en-US"/>
           </a:p>
@@ -1060,7 +1061,7 @@
           <a:p>
             <a:fld id="{A8193F1D-56DB-E44D-9849-55B52730CCEA}" type="datetimeFigureOut">
               <a:rPr lang="en-US" smtClean="0"/>
-              <a:t>12/1/2015</a:t>
+              <a:t>12/3/2015</a:t>
             </a:fld>
             <a:endParaRPr lang="en-US"/>
           </a:p>
@@ -1348,7 +1349,7 @@
           <a:p>
             <a:fld id="{A8193F1D-56DB-E44D-9849-55B52730CCEA}" type="datetimeFigureOut">
               <a:rPr lang="en-US" smtClean="0"/>
-              <a:t>12/1/2015</a:t>
+              <a:t>12/3/2015</a:t>
             </a:fld>
             <a:endParaRPr lang="en-US"/>
           </a:p>
@@ -1770,7 +1771,7 @@
           <a:p>
             <a:fld id="{A8193F1D-56DB-E44D-9849-55B52730CCEA}" type="datetimeFigureOut">
               <a:rPr lang="en-US" smtClean="0"/>
-              <a:t>12/1/2015</a:t>
+              <a:t>12/3/2015</a:t>
             </a:fld>
             <a:endParaRPr lang="en-US"/>
           </a:p>
@@ -1888,7 +1889,7 @@
           <a:p>
             <a:fld id="{A8193F1D-56DB-E44D-9849-55B52730CCEA}" type="datetimeFigureOut">
               <a:rPr lang="en-US" smtClean="0"/>
-              <a:t>12/1/2015</a:t>
+              <a:t>12/3/2015</a:t>
             </a:fld>
             <a:endParaRPr lang="en-US"/>
           </a:p>
@@ -1983,7 +1984,7 @@
           <a:p>
             <a:fld id="{A8193F1D-56DB-E44D-9849-55B52730CCEA}" type="datetimeFigureOut">
               <a:rPr lang="en-US" smtClean="0"/>
-              <a:t>12/1/2015</a:t>
+              <a:t>12/3/2015</a:t>
             </a:fld>
             <a:endParaRPr lang="en-US"/>
           </a:p>
@@ -2260,7 +2261,7 @@
           <a:p>
             <a:fld id="{A8193F1D-56DB-E44D-9849-55B52730CCEA}" type="datetimeFigureOut">
               <a:rPr lang="en-US" smtClean="0"/>
-              <a:t>12/1/2015</a:t>
+              <a:t>12/3/2015</a:t>
             </a:fld>
             <a:endParaRPr lang="en-US"/>
           </a:p>
@@ -2513,7 +2514,7 @@
           <a:p>
             <a:fld id="{A8193F1D-56DB-E44D-9849-55B52730CCEA}" type="datetimeFigureOut">
               <a:rPr lang="en-US" smtClean="0"/>
-              <a:t>12/1/2015</a:t>
+              <a:t>12/3/2015</a:t>
             </a:fld>
             <a:endParaRPr lang="en-US"/>
           </a:p>
@@ -2726,7 +2727,7 @@
           <a:p>
             <a:fld id="{A8193F1D-56DB-E44D-9849-55B52730CCEA}" type="datetimeFigureOut">
               <a:rPr lang="en-US" smtClean="0"/>
-              <a:t>12/1/2015</a:t>
+              <a:t>12/3/2015</a:t>
             </a:fld>
             <a:endParaRPr lang="en-US"/>
           </a:p>
@@ -3293,17 +3294,7 @@
                   <a:latin typeface="Candara"/>
                   <a:cs typeface="Candara"/>
                 </a:rPr>
-                <a:t>: </a:t>
-              </a:r>
-              <a:r>
-                <a:rPr lang="en-US" sz="2400" dirty="0" smtClean="0">
-                  <a:solidFill>
-                    <a:srgbClr val="FFFFFF"/>
-                  </a:solidFill>
-                  <a:latin typeface="Candara"/>
-                  <a:cs typeface="Candara"/>
-                </a:rPr>
-                <a:t>Quad Structure</a:t>
+                <a:t>: Quad Structure</a:t>
               </a:r>
               <a:endParaRPr lang="en-US" sz="2400" dirty="0">
                 <a:solidFill>
@@ -3332,7 +3323,7 @@
         </p:blipFill>
         <p:spPr>
           <a:xfrm>
-            <a:off x="359337" y="1342234"/>
+            <a:off x="359337" y="1030305"/>
             <a:ext cx="3231355" cy="2581142"/>
           </a:xfrm>
           <a:prstGeom prst="rect">
@@ -3363,8 +3354,553 @@
         </p:blipFill>
         <p:spPr>
           <a:xfrm>
-            <a:off x="4217101" y="3800135"/>
+            <a:off x="4217101" y="946711"/>
             <a:ext cx="4510405" cy="2536190"/>
+          </a:xfrm>
+          <a:prstGeom prst="rect">
+            <a:avLst/>
+          </a:prstGeom>
+        </p:spPr>
+      </p:pic>
+      <p:pic>
+        <p:nvPicPr>
+          <p:cNvPr id="10" name="Picture 9"/>
+          <p:cNvPicPr/>
+          <p:nvPr/>
+        </p:nvPicPr>
+        <p:blipFill>
+          <a:blip r:embed="rId6">
+            <a:extLst>
+              <a:ext uri="{28A0092B-C50C-407E-A947-70E740481C1C}">
+                <a14:useLocalDpi xmlns:a14="http://schemas.microsoft.com/office/drawing/2010/main" val="0"/>
+              </a:ext>
+            </a:extLst>
+          </a:blip>
+          <a:stretch>
+            <a:fillRect/>
+          </a:stretch>
+        </p:blipFill>
+        <p:spPr>
+          <a:xfrm>
+            <a:off x="359337" y="4286918"/>
+            <a:ext cx="3393824" cy="1847532"/>
+          </a:xfrm>
+          <a:prstGeom prst="rect">
+            <a:avLst/>
+          </a:prstGeom>
+        </p:spPr>
+      </p:pic>
+      <p:grpSp>
+        <p:nvGrpSpPr>
+          <p:cNvPr id="12" name="Group 11"/>
+          <p:cNvGrpSpPr/>
+          <p:nvPr/>
+        </p:nvGrpSpPr>
+        <p:grpSpPr>
+          <a:xfrm>
+            <a:off x="575093" y="4227217"/>
+            <a:ext cx="3387307" cy="2399044"/>
+            <a:chOff x="0" y="-477462"/>
+            <a:chExt cx="5838716" cy="3587561"/>
+          </a:xfrm>
+        </p:grpSpPr>
+        <p:cxnSp>
+          <p:nvCxnSpPr>
+            <p:cNvPr id="14" name="Straight Arrow Connector 13"/>
+            <p:cNvCxnSpPr/>
+            <p:nvPr/>
+          </p:nvCxnSpPr>
+          <p:spPr>
+            <a:xfrm flipH="1">
+              <a:off x="3033711" y="-142875"/>
+              <a:ext cx="261939" cy="1409700"/>
+            </a:xfrm>
+            <a:prstGeom prst="straightConnector1">
+              <a:avLst/>
+            </a:prstGeom>
+            <a:ln w="28575">
+              <a:solidFill>
+                <a:srgbClr val="FF0000"/>
+              </a:solidFill>
+              <a:tailEnd type="arrow"/>
+            </a:ln>
+          </p:spPr>
+          <p:style>
+            <a:lnRef idx="1">
+              <a:schemeClr val="accent1"/>
+            </a:lnRef>
+            <a:fillRef idx="0">
+              <a:schemeClr val="accent1"/>
+            </a:fillRef>
+            <a:effectRef idx="0">
+              <a:schemeClr val="accent1"/>
+            </a:effectRef>
+            <a:fontRef idx="minor">
+              <a:schemeClr val="tx1"/>
+            </a:fontRef>
+          </p:style>
+        </p:cxnSp>
+        <p:cxnSp>
+          <p:nvCxnSpPr>
+            <p:cNvPr id="15" name="Straight Arrow Connector 14"/>
+            <p:cNvCxnSpPr/>
+            <p:nvPr/>
+          </p:nvCxnSpPr>
+          <p:spPr>
+            <a:xfrm>
+              <a:off x="3295649" y="-90850"/>
+              <a:ext cx="629164" cy="881425"/>
+            </a:xfrm>
+            <a:prstGeom prst="straightConnector1">
+              <a:avLst/>
+            </a:prstGeom>
+            <a:ln w="28575">
+              <a:solidFill>
+                <a:srgbClr val="FF0000"/>
+              </a:solidFill>
+              <a:tailEnd type="arrow"/>
+            </a:ln>
+          </p:spPr>
+          <p:style>
+            <a:lnRef idx="1">
+              <a:schemeClr val="accent1"/>
+            </a:lnRef>
+            <a:fillRef idx="0">
+              <a:schemeClr val="accent1"/>
+            </a:fillRef>
+            <a:effectRef idx="0">
+              <a:schemeClr val="accent1"/>
+            </a:effectRef>
+            <a:fontRef idx="minor">
+              <a:schemeClr val="tx1"/>
+            </a:fontRef>
+          </p:style>
+        </p:cxnSp>
+        <p:cxnSp>
+          <p:nvCxnSpPr>
+            <p:cNvPr id="16" name="Straight Arrow Connector 15"/>
+            <p:cNvCxnSpPr/>
+            <p:nvPr/>
+          </p:nvCxnSpPr>
+          <p:spPr>
+            <a:xfrm flipH="1" flipV="1">
+              <a:off x="4591051" y="1648142"/>
+              <a:ext cx="76200" cy="427990"/>
+            </a:xfrm>
+            <a:prstGeom prst="straightConnector1">
+              <a:avLst/>
+            </a:prstGeom>
+            <a:ln w="28575">
+              <a:solidFill>
+                <a:srgbClr val="FF0000"/>
+              </a:solidFill>
+              <a:tailEnd type="arrow"/>
+            </a:ln>
+          </p:spPr>
+          <p:style>
+            <a:lnRef idx="1">
+              <a:schemeClr val="accent1"/>
+            </a:lnRef>
+            <a:fillRef idx="0">
+              <a:schemeClr val="accent1"/>
+            </a:fillRef>
+            <a:effectRef idx="0">
+              <a:schemeClr val="accent1"/>
+            </a:effectRef>
+            <a:fontRef idx="minor">
+              <a:schemeClr val="tx1"/>
+            </a:fontRef>
+          </p:style>
+        </p:cxnSp>
+        <p:cxnSp>
+          <p:nvCxnSpPr>
+            <p:cNvPr id="17" name="Straight Arrow Connector 16"/>
+            <p:cNvCxnSpPr/>
+            <p:nvPr/>
+          </p:nvCxnSpPr>
+          <p:spPr>
+            <a:xfrm flipH="1" flipV="1">
+              <a:off x="4210050" y="1810066"/>
+              <a:ext cx="457201" cy="266065"/>
+            </a:xfrm>
+            <a:prstGeom prst="straightConnector1">
+              <a:avLst/>
+            </a:prstGeom>
+            <a:ln w="28575">
+              <a:solidFill>
+                <a:srgbClr val="FF0000"/>
+              </a:solidFill>
+              <a:tailEnd type="arrow"/>
+            </a:ln>
+          </p:spPr>
+          <p:style>
+            <a:lnRef idx="1">
+              <a:schemeClr val="accent1"/>
+            </a:lnRef>
+            <a:fillRef idx="0">
+              <a:schemeClr val="accent1"/>
+            </a:fillRef>
+            <a:effectRef idx="0">
+              <a:schemeClr val="accent1"/>
+            </a:effectRef>
+            <a:fontRef idx="minor">
+              <a:schemeClr val="tx1"/>
+            </a:fontRef>
+          </p:style>
+        </p:cxnSp>
+        <p:cxnSp>
+          <p:nvCxnSpPr>
+            <p:cNvPr id="18" name="Straight Arrow Connector 17"/>
+            <p:cNvCxnSpPr/>
+            <p:nvPr/>
+          </p:nvCxnSpPr>
+          <p:spPr>
+            <a:xfrm flipH="1" flipV="1">
+              <a:off x="0" y="1266825"/>
+              <a:ext cx="761365" cy="760730"/>
+            </a:xfrm>
+            <a:prstGeom prst="straightConnector1">
+              <a:avLst/>
+            </a:prstGeom>
+            <a:ln w="28575">
+              <a:solidFill>
+                <a:srgbClr val="FF0000"/>
+              </a:solidFill>
+              <a:tailEnd type="arrow"/>
+            </a:ln>
+          </p:spPr>
+          <p:style>
+            <a:lnRef idx="1">
+              <a:schemeClr val="accent1"/>
+            </a:lnRef>
+            <a:fillRef idx="0">
+              <a:schemeClr val="accent1"/>
+            </a:fillRef>
+            <a:effectRef idx="0">
+              <a:schemeClr val="accent1"/>
+            </a:effectRef>
+            <a:fontRef idx="minor">
+              <a:schemeClr val="tx1"/>
+            </a:fontRef>
+          </p:style>
+        </p:cxnSp>
+        <p:cxnSp>
+          <p:nvCxnSpPr>
+            <p:cNvPr id="19" name="Straight Arrow Connector 18"/>
+            <p:cNvCxnSpPr/>
+            <p:nvPr/>
+          </p:nvCxnSpPr>
+          <p:spPr>
+            <a:xfrm>
+              <a:off x="762000" y="2028824"/>
+              <a:ext cx="1791076" cy="76517"/>
+            </a:xfrm>
+            <a:prstGeom prst="straightConnector1">
+              <a:avLst/>
+            </a:prstGeom>
+            <a:ln w="28575">
+              <a:solidFill>
+                <a:srgbClr val="FF0000"/>
+              </a:solidFill>
+              <a:tailEnd type="arrow"/>
+            </a:ln>
+          </p:spPr>
+          <p:style>
+            <a:lnRef idx="1">
+              <a:schemeClr val="accent1"/>
+            </a:lnRef>
+            <a:fillRef idx="0">
+              <a:schemeClr val="accent1"/>
+            </a:fillRef>
+            <a:effectRef idx="0">
+              <a:schemeClr val="accent1"/>
+            </a:effectRef>
+            <a:fontRef idx="minor">
+              <a:schemeClr val="tx1"/>
+            </a:fontRef>
+          </p:style>
+        </p:cxnSp>
+        <p:sp>
+          <p:nvSpPr>
+            <p:cNvPr id="20" name="Text Box 2"/>
+            <p:cNvSpPr txBox="1">
+              <a:spLocks noChangeArrowheads="1"/>
+            </p:cNvSpPr>
+            <p:nvPr/>
+          </p:nvSpPr>
+          <p:spPr bwMode="auto">
+            <a:xfrm>
+              <a:off x="4210048" y="1943100"/>
+              <a:ext cx="1628668" cy="455651"/>
+            </a:xfrm>
+            <a:prstGeom prst="rect">
+              <a:avLst/>
+            </a:prstGeom>
+            <a:noFill/>
+            <a:ln w="9525">
+              <a:noFill/>
+              <a:miter lim="800000"/>
+              <a:headEnd/>
+              <a:tailEnd/>
+            </a:ln>
+          </p:spPr>
+          <p:txBody>
+            <a:bodyPr rot="0" vert="horz" wrap="square" lIns="91440" tIns="45720" rIns="91440" bIns="45720" anchor="t" anchorCtr="0">
+              <a:spAutoFit/>
+            </a:bodyPr>
+            <a:lstStyle/>
+            <a:p>
+              <a:pPr marL="0" marR="0">
+                <a:lnSpc>
+                  <a:spcPct val="115000"/>
+                </a:lnSpc>
+                <a:spcBef>
+                  <a:spcPts val="0"/>
+                </a:spcBef>
+                <a:spcAft>
+                  <a:spcPts val="1000"/>
+                </a:spcAft>
+              </a:pPr>
+              <a:r>
+                <a:rPr lang="en-US" sz="1200" b="1" dirty="0" err="1">
+                  <a:solidFill>
+                    <a:srgbClr val="FF0000"/>
+                  </a:solidFill>
+                  <a:effectLst/>
+                  <a:latin typeface="Calibri"/>
+                  <a:ea typeface="Calibri"/>
+                  <a:cs typeface="Times New Roman"/>
+                </a:rPr>
+                <a:t>Ultrasonics</a:t>
+              </a:r>
+              <a:endParaRPr lang="en-US" sz="1100" dirty="0">
+                <a:effectLst/>
+                <a:latin typeface="Calibri"/>
+                <a:ea typeface="Calibri"/>
+                <a:cs typeface="Times New Roman"/>
+              </a:endParaRPr>
+            </a:p>
+          </p:txBody>
+        </p:sp>
+        <p:sp>
+          <p:nvSpPr>
+            <p:cNvPr id="21" name="Text Box 2"/>
+            <p:cNvSpPr txBox="1">
+              <a:spLocks noChangeArrowheads="1"/>
+            </p:cNvSpPr>
+            <p:nvPr/>
+          </p:nvSpPr>
+          <p:spPr bwMode="auto">
+            <a:xfrm>
+              <a:off x="238123" y="2019300"/>
+              <a:ext cx="1585148" cy="1090799"/>
+            </a:xfrm>
+            <a:prstGeom prst="rect">
+              <a:avLst/>
+            </a:prstGeom>
+            <a:noFill/>
+            <a:ln w="9525">
+              <a:noFill/>
+              <a:miter lim="800000"/>
+              <a:headEnd/>
+              <a:tailEnd/>
+            </a:ln>
+          </p:spPr>
+          <p:txBody>
+            <a:bodyPr rot="0" vert="horz" wrap="square" lIns="91440" tIns="45720" rIns="91440" bIns="45720" anchor="t" anchorCtr="0">
+              <a:spAutoFit/>
+            </a:bodyPr>
+            <a:lstStyle/>
+            <a:p>
+              <a:pPr marL="0" marR="0">
+                <a:lnSpc>
+                  <a:spcPct val="115000"/>
+                </a:lnSpc>
+                <a:spcBef>
+                  <a:spcPts val="0"/>
+                </a:spcBef>
+                <a:spcAft>
+                  <a:spcPts val="1000"/>
+                </a:spcAft>
+              </a:pPr>
+              <a:r>
+                <a:rPr lang="en-US" sz="1200" b="1" dirty="0">
+                  <a:solidFill>
+                    <a:srgbClr val="FF0000"/>
+                  </a:solidFill>
+                  <a:effectLst/>
+                  <a:latin typeface="Calibri"/>
+                  <a:ea typeface="Calibri"/>
+                  <a:cs typeface="Times New Roman"/>
+                </a:rPr>
+                <a:t>Stereo Camera Pair</a:t>
+              </a:r>
+              <a:endParaRPr lang="en-US" sz="1100" dirty="0">
+                <a:effectLst/>
+                <a:latin typeface="Calibri"/>
+                <a:ea typeface="Calibri"/>
+                <a:cs typeface="Times New Roman"/>
+              </a:endParaRPr>
+            </a:p>
+          </p:txBody>
+        </p:sp>
+        <p:sp>
+          <p:nvSpPr>
+            <p:cNvPr id="22" name="Text Box 2"/>
+            <p:cNvSpPr txBox="1">
+              <a:spLocks noChangeArrowheads="1"/>
+            </p:cNvSpPr>
+            <p:nvPr/>
+          </p:nvSpPr>
+          <p:spPr bwMode="auto">
+            <a:xfrm>
+              <a:off x="3351943" y="-477462"/>
+              <a:ext cx="2374193" cy="773226"/>
+            </a:xfrm>
+            <a:prstGeom prst="rect">
+              <a:avLst/>
+            </a:prstGeom>
+            <a:noFill/>
+            <a:ln w="9525">
+              <a:noFill/>
+              <a:miter lim="800000"/>
+              <a:headEnd/>
+              <a:tailEnd/>
+            </a:ln>
+          </p:spPr>
+          <p:txBody>
+            <a:bodyPr rot="0" vert="horz" wrap="square" lIns="91440" tIns="45720" rIns="91440" bIns="45720" anchor="t" anchorCtr="0">
+              <a:spAutoFit/>
+            </a:bodyPr>
+            <a:lstStyle/>
+            <a:p>
+              <a:pPr marL="0" marR="0">
+                <a:lnSpc>
+                  <a:spcPct val="115000"/>
+                </a:lnSpc>
+                <a:spcBef>
+                  <a:spcPts val="0"/>
+                </a:spcBef>
+                <a:spcAft>
+                  <a:spcPts val="1000"/>
+                </a:spcAft>
+              </a:pPr>
+              <a:r>
+                <a:rPr lang="en-US" sz="1200" b="1" dirty="0">
+                  <a:solidFill>
+                    <a:srgbClr val="FF0000"/>
+                  </a:solidFill>
+                  <a:effectLst/>
+                  <a:latin typeface="Calibri"/>
+                  <a:ea typeface="Calibri"/>
+                  <a:cs typeface="Times New Roman"/>
+                </a:rPr>
+                <a:t>Holes for Custom Guidance Mount</a:t>
+              </a:r>
+              <a:endParaRPr lang="en-US" sz="1100" dirty="0">
+                <a:effectLst/>
+                <a:latin typeface="Calibri"/>
+                <a:ea typeface="Calibri"/>
+                <a:cs typeface="Times New Roman"/>
+              </a:endParaRPr>
+            </a:p>
+          </p:txBody>
+        </p:sp>
+      </p:grpSp>
+      <p:cxnSp>
+        <p:nvCxnSpPr>
+          <p:cNvPr id="23" name="Straight Arrow Connector 22"/>
+          <p:cNvCxnSpPr/>
+          <p:nvPr/>
+        </p:nvCxnSpPr>
+        <p:spPr>
+          <a:xfrm flipH="1">
+            <a:off x="1232784" y="4485749"/>
+            <a:ext cx="1254266" cy="573311"/>
+          </a:xfrm>
+          <a:prstGeom prst="straightConnector1">
+            <a:avLst/>
+          </a:prstGeom>
+          <a:ln w="28575">
+            <a:solidFill>
+              <a:srgbClr val="FF0000"/>
+            </a:solidFill>
+            <a:tailEnd type="arrow"/>
+          </a:ln>
+        </p:spPr>
+        <p:style>
+          <a:lnRef idx="1">
+            <a:schemeClr val="accent1"/>
+          </a:lnRef>
+          <a:fillRef idx="0">
+            <a:schemeClr val="accent1"/>
+          </a:fillRef>
+          <a:effectRef idx="0">
+            <a:schemeClr val="accent1"/>
+          </a:effectRef>
+          <a:fontRef idx="minor">
+            <a:schemeClr val="tx1"/>
+          </a:fontRef>
+        </p:style>
+      </p:cxnSp>
+      <p:cxnSp>
+        <p:nvCxnSpPr>
+          <p:cNvPr id="26" name="Straight Arrow Connector 25"/>
+          <p:cNvCxnSpPr/>
+          <p:nvPr/>
+        </p:nvCxnSpPr>
+        <p:spPr>
+          <a:xfrm flipH="1">
+            <a:off x="1859918" y="4485749"/>
+            <a:ext cx="627132" cy="258533"/>
+          </a:xfrm>
+          <a:prstGeom prst="straightConnector1">
+            <a:avLst/>
+          </a:prstGeom>
+          <a:ln w="28575">
+            <a:solidFill>
+              <a:srgbClr val="FF0000"/>
+            </a:solidFill>
+            <a:tailEnd type="arrow"/>
+          </a:ln>
+        </p:spPr>
+        <p:style>
+          <a:lnRef idx="1">
+            <a:schemeClr val="accent1"/>
+          </a:lnRef>
+          <a:fillRef idx="0">
+            <a:schemeClr val="accent1"/>
+          </a:fillRef>
+          <a:effectRef idx="0">
+            <a:schemeClr val="accent1"/>
+          </a:effectRef>
+          <a:fontRef idx="minor">
+            <a:schemeClr val="tx1"/>
+          </a:fontRef>
+        </p:style>
+      </p:cxnSp>
+      <p:pic>
+        <p:nvPicPr>
+          <p:cNvPr id="31" name="Picture 30"/>
+          <p:cNvPicPr/>
+          <p:nvPr/>
+        </p:nvPicPr>
+        <p:blipFill>
+          <a:blip r:embed="rId7">
+            <a:extLst>
+              <a:ext uri="{28A0092B-C50C-407E-A947-70E740481C1C}">
+                <a14:useLocalDpi xmlns:a14="http://schemas.microsoft.com/office/drawing/2010/main" val="0"/>
+              </a:ext>
+            </a:extLst>
+          </a:blip>
+          <a:stretch>
+            <a:fillRect/>
+          </a:stretch>
+        </p:blipFill>
+        <p:spPr>
+          <a:xfrm>
+            <a:off x="4404633" y="3611447"/>
+            <a:ext cx="2322739" cy="3014814"/>
           </a:xfrm>
           <a:prstGeom prst="rect">
             <a:avLst/>
@@ -3426,11 +3962,7 @@
             <a:pPr algn="ctr"/>
             <a:r>
               <a:rPr lang="en-US" sz="1400" b="1" dirty="0" smtClean="0"/>
-              <a:t>USB 2.0 (#1</a:t>
-            </a:r>
-            <a:r>
-              <a:rPr lang="en-US" sz="1400" b="1" dirty="0" smtClean="0"/>
-              <a:t>)</a:t>
+              <a:t>USB 2.0 (#1)</a:t>
             </a:r>
           </a:p>
           <a:p>
@@ -3954,7 +4486,6 @@
               <a:rPr lang="en-US" sz="1400" dirty="0" smtClean="0"/>
               <a:t>(14.8V)</a:t>
             </a:r>
-            <a:endParaRPr lang="en-US" sz="1400" dirty="0" smtClean="0"/>
           </a:p>
         </p:txBody>
       </p:sp>
@@ -4001,11 +4532,7 @@
             <a:pPr algn="ctr"/>
             <a:r>
               <a:rPr lang="en-US" dirty="0" smtClean="0"/>
-              <a:t>ESC/ </a:t>
-            </a:r>
-            <a:r>
-              <a:rPr lang="en-US" dirty="0" smtClean="0"/>
-              <a:t>Motor</a:t>
+              <a:t>ESC/ Motor</a:t>
             </a:r>
             <a:endParaRPr lang="en-US" sz="1400" dirty="0" smtClean="0"/>
           </a:p>
@@ -4888,11 +5415,7 @@
             <a:pPr algn="ctr"/>
             <a:r>
               <a:rPr lang="en-US" sz="1400" b="1" dirty="0" smtClean="0"/>
-              <a:t>USB 2.0 (#2</a:t>
-            </a:r>
-            <a:r>
-              <a:rPr lang="en-US" sz="1400" b="1" dirty="0" smtClean="0"/>
-              <a:t>)</a:t>
+              <a:t>USB 2.0 (#2)</a:t>
             </a:r>
           </a:p>
           <a:p>
@@ -5465,17 +5988,7 @@
                   <a:latin typeface="Candara"/>
                   <a:cs typeface="Candara"/>
                 </a:rPr>
-                <a:t>: </a:t>
-              </a:r>
-              <a:r>
-                <a:rPr lang="en-US" sz="2400" dirty="0" smtClean="0">
-                  <a:solidFill>
-                    <a:srgbClr val="FFFFFF"/>
-                  </a:solidFill>
-                  <a:latin typeface="Candara"/>
-                  <a:cs typeface="Candara"/>
-                </a:rPr>
-                <a:t>Mass Budget</a:t>
+                <a:t>: Mass Budget</a:t>
               </a:r>
               <a:endParaRPr lang="en-US" sz="2400" dirty="0">
                 <a:solidFill>
@@ -5490,21 +6003,21 @@
       </p:grpSp>
       <p:graphicFrame>
         <p:nvGraphicFramePr>
-          <p:cNvPr id="2" name="Table 1"/>
+          <p:cNvPr id="3" name="Table 2"/>
           <p:cNvGraphicFramePr>
             <a:graphicFrameLocks noGrp="1"/>
           </p:cNvGraphicFramePr>
           <p:nvPr>
             <p:extLst>
               <p:ext uri="{D42A27DB-BD31-4B8C-83A1-F6EECF244321}">
-                <p14:modId xmlns:p14="http://schemas.microsoft.com/office/powerpoint/2010/main" val="2959504616"/>
+                <p14:modId xmlns:p14="http://schemas.microsoft.com/office/powerpoint/2010/main" val="1696350806"/>
               </p:ext>
             </p:extLst>
           </p:nvPr>
         </p:nvGraphicFramePr>
         <p:xfrm>
-          <a:off x="2165985" y="1644400"/>
-          <a:ext cx="4812030" cy="2722245"/>
+          <a:off x="1502228" y="1208314"/>
+          <a:ext cx="6259285" cy="4152146"/>
         </p:xfrm>
         <a:graphic>
           <a:graphicData uri="http://schemas.openxmlformats.org/drawingml/2006/table">
@@ -5513,11 +6026,11 @@
                 <a:tableStyleId>{5C22544A-7EE6-4342-B048-85BDC9FD1C3A}</a:tableStyleId>
               </a:tblPr>
               <a:tblGrid>
-                <a:gridCol w="2640330"/>
-                <a:gridCol w="628650"/>
-                <a:gridCol w="1543050"/>
+                <a:gridCol w="3642577"/>
+                <a:gridCol w="825155"/>
+                <a:gridCol w="1791553"/>
               </a:tblGrid>
-              <a:tr h="0">
+              <a:tr h="259216">
                 <a:tc>
                   <a:txBody>
                     <a:bodyPr/>
@@ -5535,12 +6048,12 @@
                         </a:spcAft>
                       </a:pPr>
                       <a:r>
-                        <a:rPr lang="en-US" sz="1100">
+                        <a:rPr lang="en-US" sz="1600" b="1" dirty="0">
                           <a:effectLst/>
                         </a:rPr>
                         <a:t>Component</a:t>
                       </a:r>
-                      <a:endParaRPr lang="en-US" sz="1100">
+                      <a:endParaRPr lang="en-US" sz="1600" b="1" dirty="0">
                         <a:effectLst/>
                         <a:latin typeface="Calibri"/>
                         <a:ea typeface="Calibri"/>
@@ -5567,12 +6080,12 @@
                         </a:spcAft>
                       </a:pPr>
                       <a:r>
-                        <a:rPr lang="en-US" sz="1100">
+                        <a:rPr lang="en-US" sz="1600" b="1">
                           <a:effectLst/>
                         </a:rPr>
                         <a:t>Qty</a:t>
                       </a:r>
-                      <a:endParaRPr lang="en-US" sz="1100">
+                      <a:endParaRPr lang="en-US" sz="1600" b="1">
                         <a:effectLst/>
                         <a:latin typeface="Calibri"/>
                         <a:ea typeface="Calibri"/>
@@ -5599,12 +6112,12 @@
                         </a:spcAft>
                       </a:pPr>
                       <a:r>
-                        <a:rPr lang="en-US" sz="1100">
+                        <a:rPr lang="en-US" sz="1600" b="1" dirty="0">
                           <a:effectLst/>
                         </a:rPr>
                         <a:t>Mass (each) [g]</a:t>
                       </a:r>
-                      <a:endParaRPr lang="en-US" sz="1100">
+                      <a:endParaRPr lang="en-US" sz="1600" b="1" dirty="0">
                         <a:effectLst/>
                         <a:latin typeface="Calibri"/>
                         <a:ea typeface="Calibri"/>
@@ -5615,7 +6128,7 @@
                   <a:tcPr marL="68580" marR="68580" marT="0" marB="0"/>
                 </a:tc>
               </a:tr>
-              <a:tr h="0">
+              <a:tr h="259216">
                 <a:tc>
                   <a:txBody>
                     <a:bodyPr/>
@@ -5633,12 +6146,12 @@
                         </a:spcAft>
                       </a:pPr>
                       <a:r>
-                        <a:rPr lang="en-US" sz="1100">
+                        <a:rPr lang="en-US" sz="1400" b="1">
                           <a:effectLst/>
                         </a:rPr>
                         <a:t>AlienCopter Bee Frame</a:t>
                       </a:r>
-                      <a:endParaRPr lang="en-US" sz="1100">
+                      <a:endParaRPr lang="en-US" sz="1400" b="1">
                         <a:effectLst/>
                         <a:latin typeface="Calibri"/>
                         <a:ea typeface="Calibri"/>
@@ -5665,12 +6178,12 @@
                         </a:spcAft>
                       </a:pPr>
                       <a:r>
-                        <a:rPr lang="en-US" sz="1100">
+                        <a:rPr lang="en-US" sz="1200">
                           <a:effectLst/>
                         </a:rPr>
                         <a:t>1</a:t>
                       </a:r>
-                      <a:endParaRPr lang="en-US" sz="1100">
+                      <a:endParaRPr lang="en-US" sz="1200">
                         <a:effectLst/>
                         <a:latin typeface="Calibri"/>
                         <a:ea typeface="Calibri"/>
@@ -5697,12 +6210,12 @@
                         </a:spcAft>
                       </a:pPr>
                       <a:r>
-                        <a:rPr lang="en-US" sz="1100">
+                        <a:rPr lang="en-US" sz="1200">
                           <a:effectLst/>
                         </a:rPr>
                         <a:t>303.0</a:t>
                       </a:r>
-                      <a:endParaRPr lang="en-US" sz="1100">
+                      <a:endParaRPr lang="en-US" sz="1200">
                         <a:effectLst/>
                         <a:latin typeface="Calibri"/>
                         <a:ea typeface="Calibri"/>
@@ -5713,7 +6226,7 @@
                   <a:tcPr marL="68580" marR="68580" marT="0" marB="0"/>
                 </a:tc>
               </a:tr>
-              <a:tr h="0">
+              <a:tr h="259216">
                 <a:tc>
                   <a:txBody>
                     <a:bodyPr/>
@@ -5731,12 +6244,12 @@
                         </a:spcAft>
                       </a:pPr>
                       <a:r>
-                        <a:rPr lang="en-US" sz="1100">
+                        <a:rPr lang="en-US" sz="1400" b="1">
                           <a:effectLst/>
                         </a:rPr>
                         <a:t>Custom Landing Gear</a:t>
                       </a:r>
-                      <a:endParaRPr lang="en-US" sz="1100">
+                      <a:endParaRPr lang="en-US" sz="1400" b="1">
                         <a:effectLst/>
                         <a:latin typeface="Calibri"/>
                         <a:ea typeface="Calibri"/>
@@ -5763,12 +6276,12 @@
                         </a:spcAft>
                       </a:pPr>
                       <a:r>
-                        <a:rPr lang="en-US" sz="1100">
+                        <a:rPr lang="en-US" sz="1200">
                           <a:effectLst/>
                         </a:rPr>
                         <a:t>4</a:t>
                       </a:r>
-                      <a:endParaRPr lang="en-US" sz="1100">
+                      <a:endParaRPr lang="en-US" sz="1200">
                         <a:effectLst/>
                         <a:latin typeface="Calibri"/>
                         <a:ea typeface="Calibri"/>
@@ -5795,12 +6308,12 @@
                         </a:spcAft>
                       </a:pPr>
                       <a:r>
-                        <a:rPr lang="en-US" sz="1100">
+                        <a:rPr lang="en-US" sz="1200">
                           <a:effectLst/>
                         </a:rPr>
                         <a:t>22.5</a:t>
                       </a:r>
-                      <a:endParaRPr lang="en-US" sz="1100">
+                      <a:endParaRPr lang="en-US" sz="1200">
                         <a:effectLst/>
                         <a:latin typeface="Calibri"/>
                         <a:ea typeface="Calibri"/>
@@ -5811,7 +6324,7 @@
                   <a:tcPr marL="68580" marR="68580" marT="0" marB="0"/>
                 </a:tc>
               </a:tr>
-              <a:tr h="0">
+              <a:tr h="259216">
                 <a:tc>
                   <a:txBody>
                     <a:bodyPr/>
@@ -5829,12 +6342,12 @@
                         </a:spcAft>
                       </a:pPr>
                       <a:r>
-                        <a:rPr lang="en-US" sz="1100">
+                        <a:rPr lang="en-US" sz="1400" b="1">
                           <a:effectLst/>
                         </a:rPr>
                         <a:t>Custom Propeller Guards</a:t>
                       </a:r>
-                      <a:endParaRPr lang="en-US" sz="1100">
+                      <a:endParaRPr lang="en-US" sz="1400" b="1">
                         <a:effectLst/>
                         <a:latin typeface="Calibri"/>
                         <a:ea typeface="Calibri"/>
@@ -5861,12 +6374,12 @@
                         </a:spcAft>
                       </a:pPr>
                       <a:r>
-                        <a:rPr lang="en-US" sz="1100">
+                        <a:rPr lang="en-US" sz="1200">
                           <a:effectLst/>
                         </a:rPr>
                         <a:t>2</a:t>
                       </a:r>
-                      <a:endParaRPr lang="en-US" sz="1100">
+                      <a:endParaRPr lang="en-US" sz="1200">
                         <a:effectLst/>
                         <a:latin typeface="Calibri"/>
                         <a:ea typeface="Calibri"/>
@@ -5893,12 +6406,12 @@
                         </a:spcAft>
                       </a:pPr>
                       <a:r>
-                        <a:rPr lang="en-US" sz="1100">
+                        <a:rPr lang="en-US" sz="1200">
                           <a:effectLst/>
                         </a:rPr>
                         <a:t>123.0</a:t>
                       </a:r>
-                      <a:endParaRPr lang="en-US" sz="1100">
+                      <a:endParaRPr lang="en-US" sz="1200">
                         <a:effectLst/>
                         <a:latin typeface="Calibri"/>
                         <a:ea typeface="Calibri"/>
@@ -5909,7 +6422,7 @@
                   <a:tcPr marL="68580" marR="68580" marT="0" marB="0"/>
                 </a:tc>
               </a:tr>
-              <a:tr h="0">
+              <a:tr h="259216">
                 <a:tc>
                   <a:txBody>
                     <a:bodyPr/>
@@ -5927,12 +6440,12 @@
                         </a:spcAft>
                       </a:pPr>
                       <a:r>
-                        <a:rPr lang="en-US" sz="1100">
+                        <a:rPr lang="en-US" sz="1400" b="1">
                           <a:effectLst/>
                         </a:rPr>
-                        <a:t>ODROID XU4 (w/ case and WiFi dongle)</a:t>
-                      </a:r>
-                      <a:endParaRPr lang="en-US" sz="1100">
+                        <a:t>ODROID XU4 (w/ case and Wi-Fi dongle)</a:t>
+                      </a:r>
+                      <a:endParaRPr lang="en-US" sz="1400" b="1">
                         <a:effectLst/>
                         <a:latin typeface="Calibri"/>
                         <a:ea typeface="Calibri"/>
@@ -5959,12 +6472,12 @@
                         </a:spcAft>
                       </a:pPr>
                       <a:r>
-                        <a:rPr lang="en-US" sz="1100">
+                        <a:rPr lang="en-US" sz="1200">
                           <a:effectLst/>
                         </a:rPr>
                         <a:t>1</a:t>
                       </a:r>
-                      <a:endParaRPr lang="en-US" sz="1100">
+                      <a:endParaRPr lang="en-US" sz="1200">
                         <a:effectLst/>
                         <a:latin typeface="Calibri"/>
                         <a:ea typeface="Calibri"/>
@@ -5991,12 +6504,12 @@
                         </a:spcAft>
                       </a:pPr>
                       <a:r>
-                        <a:rPr lang="en-US" sz="1100">
+                        <a:rPr lang="en-US" sz="1200">
                           <a:effectLst/>
                         </a:rPr>
                         <a:t>83.5</a:t>
                       </a:r>
-                      <a:endParaRPr lang="en-US" sz="1100">
+                      <a:endParaRPr lang="en-US" sz="1200">
                         <a:effectLst/>
                         <a:latin typeface="Calibri"/>
                         <a:ea typeface="Calibri"/>
@@ -6007,7 +6520,7 @@
                   <a:tcPr marL="68580" marR="68580" marT="0" marB="0"/>
                 </a:tc>
               </a:tr>
-              <a:tr h="0">
+              <a:tr h="259216">
                 <a:tc>
                   <a:txBody>
                     <a:bodyPr/>
@@ -6025,12 +6538,12 @@
                         </a:spcAft>
                       </a:pPr>
                       <a:r>
-                        <a:rPr lang="en-US" sz="1100">
+                        <a:rPr lang="en-US" sz="1400" b="1">
                           <a:effectLst/>
                         </a:rPr>
                         <a:t>ODROID Expansion Shield</a:t>
                       </a:r>
-                      <a:endParaRPr lang="en-US" sz="1100">
+                      <a:endParaRPr lang="en-US" sz="1400" b="1">
                         <a:effectLst/>
                         <a:latin typeface="Calibri"/>
                         <a:ea typeface="Calibri"/>
@@ -6057,12 +6570,12 @@
                         </a:spcAft>
                       </a:pPr>
                       <a:r>
-                        <a:rPr lang="en-US" sz="1100">
+                        <a:rPr lang="en-US" sz="1200">
                           <a:effectLst/>
                         </a:rPr>
                         <a:t>1</a:t>
                       </a:r>
-                      <a:endParaRPr lang="en-US" sz="1100">
+                      <a:endParaRPr lang="en-US" sz="1200">
                         <a:effectLst/>
                         <a:latin typeface="Calibri"/>
                         <a:ea typeface="Calibri"/>
@@ -6089,12 +6602,12 @@
                         </a:spcAft>
                       </a:pPr>
                       <a:r>
-                        <a:rPr lang="en-US" sz="1100">
+                        <a:rPr lang="en-US" sz="1200">
                           <a:effectLst/>
                         </a:rPr>
-                        <a:t> </a:t>
-                      </a:r>
-                      <a:endParaRPr lang="en-US" sz="1100">
+                        <a:t>21.1</a:t>
+                      </a:r>
+                      <a:endParaRPr lang="en-US" sz="1200">
                         <a:effectLst/>
                         <a:latin typeface="Calibri"/>
                         <a:ea typeface="Calibri"/>
@@ -6105,7 +6618,7 @@
                   <a:tcPr marL="68580" marR="68580" marT="0" marB="0"/>
                 </a:tc>
               </a:tr>
-              <a:tr h="0">
+              <a:tr h="259216">
                 <a:tc>
                   <a:txBody>
                     <a:bodyPr/>
@@ -6123,12 +6636,12 @@
                         </a:spcAft>
                       </a:pPr>
                       <a:r>
-                        <a:rPr lang="en-US" sz="1100">
+                        <a:rPr lang="en-US" sz="1400" b="1">
                           <a:effectLst/>
                         </a:rPr>
-                        <a:t>DJI Guidance Sensor</a:t>
-                      </a:r>
-                      <a:endParaRPr lang="en-US" sz="1100">
+                        <a:t>DJI Guidance Sensor (w/ mounting hardware)</a:t>
+                      </a:r>
+                      <a:endParaRPr lang="en-US" sz="1400" b="1">
                         <a:effectLst/>
                         <a:latin typeface="Calibri"/>
                         <a:ea typeface="Calibri"/>
@@ -6155,12 +6668,12 @@
                         </a:spcAft>
                       </a:pPr>
                       <a:r>
-                        <a:rPr lang="en-US" sz="1100">
+                        <a:rPr lang="en-US" sz="1200">
                           <a:effectLst/>
                         </a:rPr>
                         <a:t>1</a:t>
                       </a:r>
-                      <a:endParaRPr lang="en-US" sz="1100">
+                      <a:endParaRPr lang="en-US" sz="1200">
                         <a:effectLst/>
                         <a:latin typeface="Calibri"/>
                         <a:ea typeface="Calibri"/>
@@ -6187,12 +6700,12 @@
                         </a:spcAft>
                       </a:pPr>
                       <a:r>
-                        <a:rPr lang="en-US" sz="1100">
+                        <a:rPr lang="en-US" sz="1200">
                           <a:effectLst/>
                         </a:rPr>
-                        <a:t>462.2</a:t>
-                      </a:r>
-                      <a:endParaRPr lang="en-US" sz="1100">
+                        <a:t>470.4</a:t>
+                      </a:r>
+                      <a:endParaRPr lang="en-US" sz="1200">
                         <a:effectLst/>
                         <a:latin typeface="Calibri"/>
                         <a:ea typeface="Calibri"/>
@@ -6203,7 +6716,7 @@
                   <a:tcPr marL="68580" marR="68580" marT="0" marB="0"/>
                 </a:tc>
               </a:tr>
-              <a:tr h="0">
+              <a:tr h="259216">
                 <a:tc>
                   <a:txBody>
                     <a:bodyPr/>
@@ -6221,12 +6734,12 @@
                         </a:spcAft>
                       </a:pPr>
                       <a:r>
-                        <a:rPr lang="en-US" sz="1100">
+                        <a:rPr lang="en-US" sz="1400" b="1">
                           <a:effectLst/>
                         </a:rPr>
                         <a:t>Pixhawk</a:t>
                       </a:r>
-                      <a:endParaRPr lang="en-US" sz="1100">
+                      <a:endParaRPr lang="en-US" sz="1400" b="1">
                         <a:effectLst/>
                         <a:latin typeface="Calibri"/>
                         <a:ea typeface="Calibri"/>
@@ -6253,12 +6766,12 @@
                         </a:spcAft>
                       </a:pPr>
                       <a:r>
-                        <a:rPr lang="en-US" sz="1100">
+                        <a:rPr lang="en-US" sz="1200">
                           <a:effectLst/>
                         </a:rPr>
                         <a:t>1</a:t>
                       </a:r>
-                      <a:endParaRPr lang="en-US" sz="1100">
+                      <a:endParaRPr lang="en-US" sz="1200">
                         <a:effectLst/>
                         <a:latin typeface="Calibri"/>
                         <a:ea typeface="Calibri"/>
@@ -6285,12 +6798,12 @@
                         </a:spcAft>
                       </a:pPr>
                       <a:r>
-                        <a:rPr lang="en-US" sz="1100">
+                        <a:rPr lang="en-US" sz="1200">
                           <a:effectLst/>
                         </a:rPr>
                         <a:t>40.3</a:t>
                       </a:r>
-                      <a:endParaRPr lang="en-US" sz="1100">
+                      <a:endParaRPr lang="en-US" sz="1200">
                         <a:effectLst/>
                         <a:latin typeface="Calibri"/>
                         <a:ea typeface="Calibri"/>
@@ -6301,7 +6814,7 @@
                   <a:tcPr marL="68580" marR="68580" marT="0" marB="0"/>
                 </a:tc>
               </a:tr>
-              <a:tr h="0">
+              <a:tr h="259216">
                 <a:tc>
                   <a:txBody>
                     <a:bodyPr/>
@@ -6319,12 +6832,12 @@
                         </a:spcAft>
                       </a:pPr>
                       <a:r>
-                        <a:rPr lang="en-US" sz="1100">
+                        <a:rPr lang="en-US" sz="1400" b="1">
                           <a:effectLst/>
                         </a:rPr>
                         <a:t>FliR Lepton LWIR Camera</a:t>
                       </a:r>
-                      <a:endParaRPr lang="en-US" sz="1100">
+                      <a:endParaRPr lang="en-US" sz="1400" b="1">
                         <a:effectLst/>
                         <a:latin typeface="Calibri"/>
                         <a:ea typeface="Calibri"/>
@@ -6351,12 +6864,12 @@
                         </a:spcAft>
                       </a:pPr>
                       <a:r>
-                        <a:rPr lang="en-US" sz="1100">
+                        <a:rPr lang="en-US" sz="1200">
                           <a:effectLst/>
                         </a:rPr>
                         <a:t>1</a:t>
                       </a:r>
-                      <a:endParaRPr lang="en-US" sz="1100">
+                      <a:endParaRPr lang="en-US" sz="1200">
                         <a:effectLst/>
                         <a:latin typeface="Calibri"/>
                         <a:ea typeface="Calibri"/>
@@ -6383,12 +6896,12 @@
                         </a:spcAft>
                       </a:pPr>
                       <a:r>
-                        <a:rPr lang="en-US" sz="1100">
+                        <a:rPr lang="en-US" sz="1200">
                           <a:effectLst/>
                         </a:rPr>
                         <a:t>0.6</a:t>
                       </a:r>
-                      <a:endParaRPr lang="en-US" sz="1100">
+                      <a:endParaRPr lang="en-US" sz="1200">
                         <a:effectLst/>
                         <a:latin typeface="Calibri"/>
                         <a:ea typeface="Calibri"/>
@@ -6399,7 +6912,7 @@
                   <a:tcPr marL="68580" marR="68580" marT="0" marB="0"/>
                 </a:tc>
               </a:tr>
-              <a:tr h="0">
+              <a:tr h="259216">
                 <a:tc>
                   <a:txBody>
                     <a:bodyPr/>
@@ -6417,12 +6930,12 @@
                         </a:spcAft>
                       </a:pPr>
                       <a:r>
-                        <a:rPr lang="en-US" sz="1100">
+                        <a:rPr lang="en-US" sz="1400" b="1">
                           <a:effectLst/>
                         </a:rPr>
                         <a:t>FrSKY TFR4 Radio Receiver</a:t>
                       </a:r>
-                      <a:endParaRPr lang="en-US" sz="1100">
+                      <a:endParaRPr lang="en-US" sz="1400" b="1">
                         <a:effectLst/>
                         <a:latin typeface="Calibri"/>
                         <a:ea typeface="Calibri"/>
@@ -6449,12 +6962,12 @@
                         </a:spcAft>
                       </a:pPr>
                       <a:r>
-                        <a:rPr lang="en-US" sz="1100">
+                        <a:rPr lang="en-US" sz="1200">
                           <a:effectLst/>
                         </a:rPr>
                         <a:t>1</a:t>
                       </a:r>
-                      <a:endParaRPr lang="en-US" sz="1100">
+                      <a:endParaRPr lang="en-US" sz="1200">
                         <a:effectLst/>
                         <a:latin typeface="Calibri"/>
                         <a:ea typeface="Calibri"/>
@@ -6481,12 +6994,12 @@
                         </a:spcAft>
                       </a:pPr>
                       <a:r>
-                        <a:rPr lang="en-US" sz="1100">
+                        <a:rPr lang="en-US" sz="1200">
                           <a:effectLst/>
                         </a:rPr>
-                        <a:t> </a:t>
-                      </a:r>
-                      <a:endParaRPr lang="en-US" sz="1100">
+                        <a:t>8.7</a:t>
+                      </a:r>
+                      <a:endParaRPr lang="en-US" sz="1200">
                         <a:effectLst/>
                         <a:latin typeface="Calibri"/>
                         <a:ea typeface="Calibri"/>
@@ -6497,7 +7010,7 @@
                   <a:tcPr marL="68580" marR="68580" marT="0" marB="0"/>
                 </a:tc>
               </a:tr>
-              <a:tr h="0">
+              <a:tr h="259216">
                 <a:tc>
                   <a:txBody>
                     <a:bodyPr/>
@@ -6515,12 +7028,12 @@
                         </a:spcAft>
                       </a:pPr>
                       <a:r>
-                        <a:rPr lang="en-US" sz="1100">
+                        <a:rPr lang="en-US" sz="1400" b="1">
                           <a:effectLst/>
                         </a:rPr>
-                        <a:t>SunnySky V2216-12 II Motors</a:t>
-                      </a:r>
-                      <a:endParaRPr lang="en-US" sz="1100">
+                        <a:t>Power Distribution Board</a:t>
+                      </a:r>
+                      <a:endParaRPr lang="en-US" sz="1400" b="1">
                         <a:effectLst/>
                         <a:latin typeface="Calibri"/>
                         <a:ea typeface="Calibri"/>
@@ -6547,12 +7060,12 @@
                         </a:spcAft>
                       </a:pPr>
                       <a:r>
-                        <a:rPr lang="en-US" sz="1100">
+                        <a:rPr lang="en-US" sz="1200">
                           <a:effectLst/>
                         </a:rPr>
-                        <a:t>4</a:t>
-                      </a:r>
-                      <a:endParaRPr lang="en-US" sz="1100">
+                        <a:t>1</a:t>
+                      </a:r>
+                      <a:endParaRPr lang="en-US" sz="1200">
                         <a:effectLst/>
                         <a:latin typeface="Calibri"/>
                         <a:ea typeface="Calibri"/>
@@ -6579,12 +7092,12 @@
                         </a:spcAft>
                       </a:pPr>
                       <a:r>
-                        <a:rPr lang="en-US" sz="1100">
+                        <a:rPr lang="en-US" sz="1200">
                           <a:effectLst/>
                         </a:rPr>
-                        <a:t>68.7</a:t>
-                      </a:r>
-                      <a:endParaRPr lang="en-US" sz="1100">
+                        <a:t>21.0</a:t>
+                      </a:r>
+                      <a:endParaRPr lang="en-US" sz="1200">
                         <a:effectLst/>
                         <a:latin typeface="Calibri"/>
                         <a:ea typeface="Calibri"/>
@@ -6595,7 +7108,7 @@
                   <a:tcPr marL="68580" marR="68580" marT="0" marB="0"/>
                 </a:tc>
               </a:tr>
-              <a:tr h="0">
+              <a:tr h="259216">
                 <a:tc>
                   <a:txBody>
                     <a:bodyPr/>
@@ -6613,12 +7126,12 @@
                         </a:spcAft>
                       </a:pPr>
                       <a:r>
-                        <a:rPr lang="en-US" sz="1100">
+                        <a:rPr lang="en-US" sz="1400" b="1">
                           <a:effectLst/>
                         </a:rPr>
-                        <a:t>10x4.7 Propellers</a:t>
-                      </a:r>
-                      <a:endParaRPr lang="en-US" sz="1100">
+                        <a:t>SunnySky V2216-12 II Motors</a:t>
+                      </a:r>
+                      <a:endParaRPr lang="en-US" sz="1400" b="1">
                         <a:effectLst/>
                         <a:latin typeface="Calibri"/>
                         <a:ea typeface="Calibri"/>
@@ -6645,12 +7158,12 @@
                         </a:spcAft>
                       </a:pPr>
                       <a:r>
-                        <a:rPr lang="en-US" sz="1100">
+                        <a:rPr lang="en-US" sz="1200">
                           <a:effectLst/>
                         </a:rPr>
                         <a:t>4</a:t>
                       </a:r>
-                      <a:endParaRPr lang="en-US" sz="1100">
+                      <a:endParaRPr lang="en-US" sz="1200">
                         <a:effectLst/>
                         <a:latin typeface="Calibri"/>
                         <a:ea typeface="Calibri"/>
@@ -6677,12 +7190,12 @@
                         </a:spcAft>
                       </a:pPr>
                       <a:r>
-                        <a:rPr lang="en-US" sz="1100">
+                        <a:rPr lang="en-US" sz="1200">
                           <a:effectLst/>
                         </a:rPr>
-                        <a:t>11.1</a:t>
-                      </a:r>
-                      <a:endParaRPr lang="en-US" sz="1100">
+                        <a:t>68.7</a:t>
+                      </a:r>
+                      <a:endParaRPr lang="en-US" sz="1200">
                         <a:effectLst/>
                         <a:latin typeface="Calibri"/>
                         <a:ea typeface="Calibri"/>
@@ -6693,7 +7206,7 @@
                   <a:tcPr marL="68580" marR="68580" marT="0" marB="0"/>
                 </a:tc>
               </a:tr>
-              <a:tr h="0">
+              <a:tr h="259216">
                 <a:tc>
                   <a:txBody>
                     <a:bodyPr/>
@@ -6711,12 +7224,12 @@
                         </a:spcAft>
                       </a:pPr>
                       <a:r>
-                        <a:rPr lang="en-US" sz="1100">
+                        <a:rPr lang="en-US" sz="1400" b="1">
                           <a:effectLst/>
                         </a:rPr>
-                        <a:t>20A ESC</a:t>
-                      </a:r>
-                      <a:endParaRPr lang="en-US" sz="1100">
+                        <a:t>10x4.7 Propellers</a:t>
+                      </a:r>
+                      <a:endParaRPr lang="en-US" sz="1400" b="1">
                         <a:effectLst/>
                         <a:latin typeface="Calibri"/>
                         <a:ea typeface="Calibri"/>
@@ -6743,12 +7256,12 @@
                         </a:spcAft>
                       </a:pPr>
                       <a:r>
-                        <a:rPr lang="en-US" sz="1100">
+                        <a:rPr lang="en-US" sz="1200">
                           <a:effectLst/>
                         </a:rPr>
                         <a:t>4</a:t>
                       </a:r>
-                      <a:endParaRPr lang="en-US" sz="1100">
+                      <a:endParaRPr lang="en-US" sz="1200">
                         <a:effectLst/>
                         <a:latin typeface="Calibri"/>
                         <a:ea typeface="Calibri"/>
@@ -6775,12 +7288,12 @@
                         </a:spcAft>
                       </a:pPr>
                       <a:r>
-                        <a:rPr lang="en-US" sz="1100">
+                        <a:rPr lang="en-US" sz="1200">
                           <a:effectLst/>
                         </a:rPr>
-                        <a:t>28.4</a:t>
-                      </a:r>
-                      <a:endParaRPr lang="en-US" sz="1100">
+                        <a:t>11.1</a:t>
+                      </a:r>
+                      <a:endParaRPr lang="en-US" sz="1200">
                         <a:effectLst/>
                         <a:latin typeface="Calibri"/>
                         <a:ea typeface="Calibri"/>
@@ -6791,7 +7304,7 @@
                   <a:tcPr marL="68580" marR="68580" marT="0" marB="0"/>
                 </a:tc>
               </a:tr>
-              <a:tr h="0">
+              <a:tr h="259216">
                 <a:tc>
                   <a:txBody>
                     <a:bodyPr/>
@@ -6809,12 +7322,12 @@
                         </a:spcAft>
                       </a:pPr>
                       <a:r>
-                        <a:rPr lang="en-US" sz="1100">
+                        <a:rPr lang="en-US" sz="1400" b="1">
                           <a:effectLst/>
                         </a:rPr>
-                        <a:t>Turnigy Multistar 4S 10.0 LiPo Battery Pack</a:t>
-                      </a:r>
-                      <a:endParaRPr lang="en-US" sz="1100">
+                        <a:t>20A ESC</a:t>
+                      </a:r>
+                      <a:endParaRPr lang="en-US" sz="1400" b="1">
                         <a:effectLst/>
                         <a:latin typeface="Calibri"/>
                         <a:ea typeface="Calibri"/>
@@ -6841,12 +7354,12 @@
                         </a:spcAft>
                       </a:pPr>
                       <a:r>
-                        <a:rPr lang="en-US" sz="1100">
+                        <a:rPr lang="en-US" sz="1200">
                           <a:effectLst/>
                         </a:rPr>
-                        <a:t>1</a:t>
-                      </a:r>
-                      <a:endParaRPr lang="en-US" sz="1100">
+                        <a:t>4</a:t>
+                      </a:r>
+                      <a:endParaRPr lang="en-US" sz="1200">
                         <a:effectLst/>
                         <a:latin typeface="Calibri"/>
                         <a:ea typeface="Calibri"/>
@@ -6873,12 +7386,12 @@
                         </a:spcAft>
                       </a:pPr>
                       <a:r>
-                        <a:rPr lang="en-US" sz="1100">
+                        <a:rPr lang="en-US" sz="1200">
                           <a:effectLst/>
                         </a:rPr>
-                        <a:t>815.8</a:t>
-                      </a:r>
-                      <a:endParaRPr lang="en-US" sz="1100">
+                        <a:t>28.4</a:t>
+                      </a:r>
+                      <a:endParaRPr lang="en-US" sz="1200">
                         <a:effectLst/>
                         <a:latin typeface="Calibri"/>
                         <a:ea typeface="Calibri"/>
@@ -6889,7 +7402,7 @@
                   <a:tcPr marL="68580" marR="68580" marT="0" marB="0"/>
                 </a:tc>
               </a:tr>
-              <a:tr h="0">
+              <a:tr h="259216">
                 <a:tc>
                   <a:txBody>
                     <a:bodyPr/>
@@ -6907,12 +7420,42 @@
                         </a:spcAft>
                       </a:pPr>
                       <a:r>
-                        <a:rPr lang="en-US" sz="1100">
+                        <a:rPr lang="en-US" sz="1400" b="1" dirty="0" err="1">
                           <a:effectLst/>
                         </a:rPr>
-                        <a:t> </a:t>
-                      </a:r>
-                      <a:endParaRPr lang="en-US" sz="1100">
+                        <a:t>Turnigy</a:t>
+                      </a:r>
+                      <a:r>
+                        <a:rPr lang="en-US" sz="1400" b="1" dirty="0">
+                          <a:effectLst/>
+                        </a:rPr>
+                        <a:t> </a:t>
+                      </a:r>
+                      <a:r>
+                        <a:rPr lang="en-US" sz="1400" b="1" dirty="0" err="1">
+                          <a:effectLst/>
+                        </a:rPr>
+                        <a:t>Multistar</a:t>
+                      </a:r>
+                      <a:r>
+                        <a:rPr lang="en-US" sz="1400" b="1" dirty="0">
+                          <a:effectLst/>
+                        </a:rPr>
+                        <a:t> 4S 10.0 </a:t>
+                      </a:r>
+                      <a:r>
+                        <a:rPr lang="en-US" sz="1400" b="1" dirty="0" err="1">
+                          <a:effectLst/>
+                        </a:rPr>
+                        <a:t>LiPo</a:t>
+                      </a:r>
+                      <a:r>
+                        <a:rPr lang="en-US" sz="1400" b="1" dirty="0">
+                          <a:effectLst/>
+                        </a:rPr>
+                        <a:t> Battery Pack</a:t>
+                      </a:r>
+                      <a:endParaRPr lang="en-US" sz="1400" b="1" dirty="0">
                         <a:effectLst/>
                         <a:latin typeface="Calibri"/>
                         <a:ea typeface="Calibri"/>
@@ -6939,12 +7482,12 @@
                         </a:spcAft>
                       </a:pPr>
                       <a:r>
-                        <a:rPr lang="en-US" sz="1100">
+                        <a:rPr lang="en-US" sz="1200">
                           <a:effectLst/>
                         </a:rPr>
-                        <a:t> </a:t>
-                      </a:r>
-                      <a:endParaRPr lang="en-US" sz="1100">
+                        <a:t>1</a:t>
+                      </a:r>
+                      <a:endParaRPr lang="en-US" sz="1200">
                         <a:effectLst/>
                         <a:latin typeface="Calibri"/>
                         <a:ea typeface="Calibri"/>
@@ -6971,12 +7514,110 @@
                         </a:spcAft>
                       </a:pPr>
                       <a:r>
-                        <a:rPr lang="en-US" sz="1100" dirty="0">
+                        <a:rPr lang="en-US" sz="1200">
+                          <a:effectLst/>
+                        </a:rPr>
+                        <a:t>815.8</a:t>
+                      </a:r>
+                      <a:endParaRPr lang="en-US" sz="1200">
+                        <a:effectLst/>
+                        <a:latin typeface="Calibri"/>
+                        <a:ea typeface="Calibri"/>
+                        <a:cs typeface="Times New Roman"/>
+                      </a:endParaRPr>
+                    </a:p>
+                  </a:txBody>
+                  <a:tcPr marL="68580" marR="68580" marT="0" marB="0"/>
+                </a:tc>
+              </a:tr>
+              <a:tr h="259216">
+                <a:tc>
+                  <a:txBody>
+                    <a:bodyPr/>
+                    <a:lstStyle/>
+                    <a:p>
+                      <a:pPr marL="0" marR="0" algn="r">
+                        <a:lnSpc>
+                          <a:spcPct val="115000"/>
+                        </a:lnSpc>
+                        <a:spcBef>
+                          <a:spcPts val="0"/>
+                        </a:spcBef>
+                        <a:spcAft>
+                          <a:spcPts val="0"/>
+                        </a:spcAft>
+                      </a:pPr>
+                      <a:r>
+                        <a:rPr lang="en-US" sz="1100">
                           <a:effectLst/>
                         </a:rPr>
                         <a:t> </a:t>
                       </a:r>
-                      <a:endParaRPr lang="en-US" sz="1100" dirty="0">
+                      <a:endParaRPr lang="en-US" sz="1100">
+                        <a:effectLst/>
+                        <a:latin typeface="Calibri"/>
+                        <a:ea typeface="Calibri"/>
+                        <a:cs typeface="Times New Roman"/>
+                      </a:endParaRPr>
+                    </a:p>
+                  </a:txBody>
+                  <a:tcPr marL="68580" marR="68580" marT="0" marB="0"/>
+                </a:tc>
+                <a:tc>
+                  <a:txBody>
+                    <a:bodyPr/>
+                    <a:lstStyle/>
+                    <a:p>
+                      <a:pPr marL="0" marR="0" algn="ctr">
+                        <a:lnSpc>
+                          <a:spcPct val="115000"/>
+                        </a:lnSpc>
+                        <a:spcBef>
+                          <a:spcPts val="0"/>
+                        </a:spcBef>
+                        <a:spcAft>
+                          <a:spcPts val="0"/>
+                        </a:spcAft>
+                      </a:pPr>
+                      <a:r>
+                        <a:rPr lang="en-US" sz="1400" b="1">
+                          <a:effectLst/>
+                        </a:rPr>
+                        <a:t>Total</a:t>
+                      </a:r>
+                      <a:endParaRPr lang="en-US" sz="1400" b="1">
+                        <a:effectLst/>
+                        <a:latin typeface="Calibri"/>
+                        <a:ea typeface="Calibri"/>
+                        <a:cs typeface="Times New Roman"/>
+                      </a:endParaRPr>
+                    </a:p>
+                  </a:txBody>
+                  <a:tcPr marL="68580" marR="68580" marT="0" marB="0"/>
+                </a:tc>
+                <a:tc>
+                  <a:txBody>
+                    <a:bodyPr/>
+                    <a:lstStyle/>
+                    <a:p>
+                      <a:pPr marL="0" marR="0" algn="ctr">
+                        <a:lnSpc>
+                          <a:spcPct val="115000"/>
+                        </a:lnSpc>
+                        <a:spcBef>
+                          <a:spcPts val="0"/>
+                        </a:spcBef>
+                        <a:spcAft>
+                          <a:spcPts val="0"/>
+                        </a:spcAft>
+                      </a:pPr>
+                      <a:r>
+                        <a:rPr lang="en-US" sz="1400" b="1" dirty="0">
+                          <a:effectLst/>
+                        </a:rPr>
+                        <a:t>2365.3</a:t>
+                      </a:r>
+                      <a:endParaRPr lang="en-US" sz="1400" b="1" dirty="0">
                         <a:effectLst/>
                         <a:latin typeface="Calibri"/>
                         <a:ea typeface="Calibri"/>
@@ -7476,17 +8117,7 @@
                   <a:latin typeface="Candara"/>
                   <a:cs typeface="Candara"/>
                 </a:rPr>
-                <a:t>: </a:t>
-              </a:r>
-              <a:r>
-                <a:rPr lang="en-US" sz="2400" dirty="0" smtClean="0">
-                  <a:solidFill>
-                    <a:srgbClr val="FFFFFF"/>
-                  </a:solidFill>
-                  <a:latin typeface="Candara"/>
-                  <a:cs typeface="Candara"/>
-                </a:rPr>
-                <a:t>Power Budget</a:t>
+                <a:t>: Power Budget</a:t>
               </a:r>
               <a:endParaRPr lang="en-US" sz="2400" dirty="0">
                 <a:solidFill>
@@ -7501,30 +8132,36 @@
       </p:grpSp>
       <p:graphicFrame>
         <p:nvGraphicFramePr>
-          <p:cNvPr id="2" name="Table 1"/>
+          <p:cNvPr id="3" name="Table 2"/>
           <p:cNvGraphicFramePr>
             <a:graphicFrameLocks noGrp="1"/>
           </p:cNvGraphicFramePr>
-          <p:nvPr/>
+          <p:nvPr>
+            <p:extLst>
+              <p:ext uri="{D42A27DB-BD31-4B8C-83A1-F6EECF244321}">
+                <p14:modId xmlns:p14="http://schemas.microsoft.com/office/powerpoint/2010/main" val="1302788219"/>
+              </p:ext>
+            </p:extLst>
+          </p:nvPr>
         </p:nvGraphicFramePr>
         <p:xfrm>
-          <a:off x="1531620" y="2995644"/>
-          <a:ext cx="6080760" cy="1644650"/>
+          <a:off x="575876" y="1524003"/>
+          <a:ext cx="7923501" cy="2366012"/>
         </p:xfrm>
         <a:graphic>
           <a:graphicData uri="http://schemas.openxmlformats.org/drawingml/2006/table">
             <a:tbl>
-              <a:tblPr firstRow="1" firstCol="1" bandRow="1">
+              <a:tblPr firstRow="1" firstCol="1" lastCol="1" bandRow="1">
                 <a:tableStyleId>{5C22544A-7EE6-4342-B048-85BDC9FD1C3A}</a:tableStyleId>
               </a:tblPr>
               <a:tblGrid>
-                <a:gridCol w="2072005"/>
-                <a:gridCol w="541020"/>
-                <a:gridCol w="1257935"/>
-                <a:gridCol w="1104900"/>
-                <a:gridCol w="1104900"/>
+                <a:gridCol w="2868364"/>
+                <a:gridCol w="536524"/>
+                <a:gridCol w="1450490"/>
+                <a:gridCol w="1265973"/>
+                <a:gridCol w="1802150"/>
               </a:tblGrid>
-              <a:tr h="0">
+              <a:tr h="600572">
                 <a:tc>
                   <a:txBody>
                     <a:bodyPr/>
@@ -7542,12 +8179,12 @@
                         </a:spcAft>
                       </a:pPr>
                       <a:r>
-                        <a:rPr lang="en-US" sz="1100">
+                        <a:rPr lang="en-US" sz="1600" dirty="0">
                           <a:effectLst/>
                         </a:rPr>
                         <a:t>Component</a:t>
                       </a:r>
-                      <a:endParaRPr lang="en-US" sz="1100">
+                      <a:endParaRPr lang="en-US" sz="1600" dirty="0">
                         <a:effectLst/>
                         <a:latin typeface="Calibri"/>
                         <a:ea typeface="Calibri"/>
@@ -7555,7 +8192,7 @@
                       </a:endParaRPr>
                     </a:p>
                   </a:txBody>
-                  <a:tcPr marL="68580" marR="68580" marT="0" marB="0"/>
+                  <a:tcPr marL="68580" marR="68580" marT="0" marB="0" anchor="ctr"/>
                 </a:tc>
                 <a:tc>
                   <a:txBody>
@@ -7574,12 +8211,12 @@
                         </a:spcAft>
                       </a:pPr>
                       <a:r>
-                        <a:rPr lang="en-US" sz="1100">
+                        <a:rPr lang="en-US" sz="1600" dirty="0" err="1">
                           <a:effectLst/>
                         </a:rPr>
                         <a:t>Qty</a:t>
                       </a:r>
-                      <a:endParaRPr lang="en-US" sz="1100">
+                      <a:endParaRPr lang="en-US" sz="1600" dirty="0">
                         <a:effectLst/>
                         <a:latin typeface="Calibri"/>
                         <a:ea typeface="Calibri"/>
@@ -7587,7 +8224,7 @@
                       </a:endParaRPr>
                     </a:p>
                   </a:txBody>
-                  <a:tcPr marL="68580" marR="68580" marT="0" marB="0"/>
+                  <a:tcPr marL="68580" marR="68580" marT="0" marB="0" anchor="ctr"/>
                 </a:tc>
                 <a:tc>
                   <a:txBody>
@@ -7606,12 +8243,12 @@
                         </a:spcAft>
                       </a:pPr>
                       <a:r>
-                        <a:rPr lang="en-US" sz="1100">
+                        <a:rPr lang="en-US" sz="1400" dirty="0">
                           <a:effectLst/>
                         </a:rPr>
                         <a:t>Nominal Voltage [V]</a:t>
                       </a:r>
-                      <a:endParaRPr lang="en-US" sz="1100">
+                      <a:endParaRPr lang="en-US" sz="1400" dirty="0">
                         <a:effectLst/>
                         <a:latin typeface="Calibri"/>
                         <a:ea typeface="Calibri"/>
@@ -7619,7 +8256,7 @@
                       </a:endParaRPr>
                     </a:p>
                   </a:txBody>
-                  <a:tcPr marL="68580" marR="68580" marT="0" marB="0"/>
+                  <a:tcPr marL="68580" marR="68580" marT="0" marB="0" anchor="ctr"/>
                 </a:tc>
                 <a:tc>
                   <a:txBody>
@@ -7638,10 +8275,10 @@
                         </a:spcAft>
                       </a:pPr>
                       <a:r>
-                        <a:rPr lang="en-US" sz="1100">
+                        <a:rPr lang="en-US" sz="1400">
                           <a:effectLst/>
                         </a:rPr>
-                        <a:t>Nominal Current</a:t>
+                        <a:t>Current Draw</a:t>
                       </a:r>
                     </a:p>
                     <a:p>
@@ -7657,12 +8294,12 @@
                         </a:spcAft>
                       </a:pPr>
                       <a:r>
-                        <a:rPr lang="en-US" sz="1100">
+                        <a:rPr lang="en-US" sz="1400">
                           <a:effectLst/>
                         </a:rPr>
                         <a:t>[mA]</a:t>
                       </a:r>
-                      <a:endParaRPr lang="en-US" sz="1100">
+                      <a:endParaRPr lang="en-US" sz="1400">
                         <a:effectLst/>
                         <a:latin typeface="Calibri"/>
                         <a:ea typeface="Calibri"/>
@@ -7670,13 +8307,32 @@
                       </a:endParaRPr>
                     </a:p>
                   </a:txBody>
-                  <a:tcPr marL="68580" marR="68580" marT="0" marB="0"/>
+                  <a:tcPr marL="68580" marR="68580" marT="0" marB="0" anchor="ctr"/>
                 </a:tc>
                 <a:tc>
                   <a:txBody>
                     <a:bodyPr/>
                     <a:lstStyle/>
                     <a:p>
+                      <a:pPr marL="0" marR="0">
+                        <a:lnSpc>
+                          <a:spcPct val="115000"/>
+                        </a:lnSpc>
+                        <a:spcBef>
+                          <a:spcPts val="0"/>
+                        </a:spcBef>
+                        <a:spcAft>
+                          <a:spcPts val="0"/>
+                        </a:spcAft>
+                      </a:pPr>
+                      <a:r>
+                        <a:rPr lang="en-US" sz="1400">
+                          <a:effectLst/>
+                        </a:rPr>
+                        <a:t>Power Consumption</a:t>
+                      </a:r>
+                    </a:p>
+                    <a:p>
                       <a:pPr marL="0" marR="0" algn="ctr">
                         <a:lnSpc>
                           <a:spcPct val="115000"/>
@@ -7689,12 +8345,71 @@
                         </a:spcAft>
                       </a:pPr>
                       <a:r>
-                        <a:rPr lang="en-US" sz="1100">
+                        <a:rPr lang="en-US" sz="1400">
                           <a:effectLst/>
                         </a:rPr>
-                        <a:t>Nominal Power</a:t>
-                      </a:r>
-                    </a:p>
+                        <a:t>[mW]</a:t>
+                      </a:r>
+                      <a:endParaRPr lang="en-US" sz="1400">
+                        <a:effectLst/>
+                        <a:latin typeface="Calibri"/>
+                        <a:ea typeface="Calibri"/>
+                        <a:cs typeface="Times New Roman"/>
+                      </a:endParaRPr>
+                    </a:p>
+                  </a:txBody>
+                  <a:tcPr marL="68580" marR="68580" marT="0" marB="0" anchor="ctr"/>
+                </a:tc>
+              </a:tr>
+              <a:tr h="600572">
+                <a:tc>
+                  <a:txBody>
+                    <a:bodyPr/>
+                    <a:lstStyle/>
+                    <a:p>
+                      <a:pPr marL="0" marR="0">
+                        <a:lnSpc>
+                          <a:spcPct val="115000"/>
+                        </a:lnSpc>
+                        <a:spcBef>
+                          <a:spcPts val="0"/>
+                        </a:spcBef>
+                        <a:spcAft>
+                          <a:spcPts val="0"/>
+                        </a:spcAft>
+                      </a:pPr>
+                      <a:r>
+                        <a:rPr lang="en-US" sz="1400" dirty="0">
+                          <a:effectLst/>
+                        </a:rPr>
+                        <a:t>ODROID XU4 (powers </a:t>
+                      </a:r>
+                      <a:r>
+                        <a:rPr lang="en-US" sz="1400" dirty="0" err="1">
+                          <a:effectLst/>
+                        </a:rPr>
+                        <a:t>FLiR</a:t>
+                      </a:r>
+                      <a:r>
+                        <a:rPr lang="en-US" sz="1400" dirty="0">
+                          <a:effectLst/>
+                        </a:rPr>
+                        <a:t> &amp; Wi-Fi)</a:t>
+                      </a:r>
+                      <a:endParaRPr lang="en-US" sz="1400" dirty="0">
+                        <a:effectLst/>
+                        <a:latin typeface="Calibri"/>
+                        <a:ea typeface="Calibri"/>
+                        <a:cs typeface="Times New Roman"/>
+                      </a:endParaRPr>
+                    </a:p>
+                  </a:txBody>
+                  <a:tcPr marL="68580" marR="68580" marT="0" marB="0" anchor="ctr"/>
+                </a:tc>
+                <a:tc>
+                  <a:txBody>
+                    <a:bodyPr/>
+                    <a:lstStyle/>
                     <a:p>
                       <a:pPr marL="0" marR="0" algn="ctr">
                         <a:lnSpc>
@@ -7708,12 +8423,18 @@
                         </a:spcAft>
                       </a:pPr>
                       <a:r>
-                        <a:rPr lang="en-US" sz="1100">
+                        <a:rPr lang="en-US" sz="1400" b="0" dirty="0">
+                          <a:solidFill>
+                            <a:schemeClr val="tx1"/>
+                          </a:solidFill>
                           <a:effectLst/>
                         </a:rPr>
-                        <a:t>[mW]</a:t>
-                      </a:r>
-                      <a:endParaRPr lang="en-US" sz="1100">
+                        <a:t>1</a:t>
+                      </a:r>
+                      <a:endParaRPr lang="en-US" sz="1400" b="0" dirty="0">
+                        <a:solidFill>
+                          <a:schemeClr val="tx1"/>
+                        </a:solidFill>
                         <a:effectLst/>
                         <a:latin typeface="Calibri"/>
                         <a:ea typeface="Calibri"/>
@@ -7721,10 +8442,152 @@
                       </a:endParaRPr>
                     </a:p>
                   </a:txBody>
-                  <a:tcPr marL="68580" marR="68580" marT="0" marB="0"/>
+                  <a:tcPr marL="68580" marR="68580" marT="0" marB="0" anchor="ctr">
+                    <a:solidFill>
+                      <a:schemeClr val="tx2">
+                        <a:lumMod val="20000"/>
+                        <a:lumOff val="80000"/>
+                      </a:schemeClr>
+                    </a:solidFill>
+                  </a:tcPr>
+                </a:tc>
+                <a:tc>
+                  <a:txBody>
+                    <a:bodyPr/>
+                    <a:lstStyle/>
+                    <a:p>
+                      <a:pPr marL="0" marR="0" algn="ctr">
+                        <a:lnSpc>
+                          <a:spcPct val="115000"/>
+                        </a:lnSpc>
+                        <a:spcBef>
+                          <a:spcPts val="0"/>
+                        </a:spcBef>
+                        <a:spcAft>
+                          <a:spcPts val="0"/>
+                        </a:spcAft>
+                      </a:pPr>
+                      <a:r>
+                        <a:rPr lang="en-US" sz="1400" b="0" dirty="0">
+                          <a:solidFill>
+                            <a:schemeClr val="tx1"/>
+                          </a:solidFill>
+                          <a:effectLst/>
+                        </a:rPr>
+                        <a:t>5</a:t>
+                      </a:r>
+                      <a:endParaRPr lang="en-US" sz="1400" b="0" dirty="0">
+                        <a:solidFill>
+                          <a:schemeClr val="tx1"/>
+                        </a:solidFill>
+                        <a:effectLst/>
+                        <a:latin typeface="Calibri"/>
+                        <a:ea typeface="Calibri"/>
+                        <a:cs typeface="Times New Roman"/>
+                      </a:endParaRPr>
+                    </a:p>
+                  </a:txBody>
+                  <a:tcPr marL="68580" marR="68580" marT="0" marB="0" anchor="ctr">
+                    <a:solidFill>
+                      <a:schemeClr val="tx2">
+                        <a:lumMod val="20000"/>
+                        <a:lumOff val="80000"/>
+                      </a:schemeClr>
+                    </a:solidFill>
+                  </a:tcPr>
+                </a:tc>
+                <a:tc>
+                  <a:txBody>
+                    <a:bodyPr/>
+                    <a:lstStyle/>
+                    <a:p>
+                      <a:pPr marL="0" marR="0" algn="ctr">
+                        <a:lnSpc>
+                          <a:spcPct val="115000"/>
+                        </a:lnSpc>
+                        <a:spcBef>
+                          <a:spcPts val="0"/>
+                        </a:spcBef>
+                        <a:spcAft>
+                          <a:spcPts val="0"/>
+                        </a:spcAft>
+                      </a:pPr>
+                      <a:r>
+                        <a:rPr lang="en-US" sz="1400" b="0" dirty="0">
+                          <a:solidFill>
+                            <a:schemeClr val="tx1"/>
+                          </a:solidFill>
+                          <a:effectLst/>
+                        </a:rPr>
+                        <a:t>4000</a:t>
+                      </a:r>
+                      <a:endParaRPr lang="en-US" sz="1400" b="0" dirty="0">
+                        <a:solidFill>
+                          <a:schemeClr val="tx1"/>
+                        </a:solidFill>
+                        <a:effectLst/>
+                        <a:latin typeface="Calibri"/>
+                        <a:ea typeface="Calibri"/>
+                        <a:cs typeface="Times New Roman"/>
+                      </a:endParaRPr>
+                    </a:p>
+                  </a:txBody>
+                  <a:tcPr marL="68580" marR="68580" marT="0" marB="0" anchor="ctr">
+                    <a:solidFill>
+                      <a:schemeClr val="tx2">
+                        <a:lumMod val="20000"/>
+                        <a:lumOff val="80000"/>
+                      </a:schemeClr>
+                    </a:solidFill>
+                  </a:tcPr>
+                </a:tc>
+                <a:tc>
+                  <a:txBody>
+                    <a:bodyPr/>
+                    <a:lstStyle/>
+                    <a:p>
+                      <a:pPr marL="0" marR="0" algn="ctr">
+                        <a:lnSpc>
+                          <a:spcPct val="115000"/>
+                        </a:lnSpc>
+                        <a:spcBef>
+                          <a:spcPts val="0"/>
+                        </a:spcBef>
+                        <a:spcAft>
+                          <a:spcPts val="0"/>
+                        </a:spcAft>
+                      </a:pPr>
+                      <a:r>
+                        <a:rPr lang="en-US" sz="1400" b="0" dirty="0">
+                          <a:solidFill>
+                            <a:schemeClr val="tx1"/>
+                          </a:solidFill>
+                          <a:effectLst/>
+                        </a:rPr>
+                        <a:t>20000</a:t>
+                      </a:r>
+                      <a:endParaRPr lang="en-US" sz="1400" b="0" dirty="0">
+                        <a:solidFill>
+                          <a:schemeClr val="tx1"/>
+                        </a:solidFill>
+                        <a:effectLst/>
+                        <a:latin typeface="Calibri"/>
+                        <a:ea typeface="Calibri"/>
+                        <a:cs typeface="Times New Roman"/>
+                      </a:endParaRPr>
+                    </a:p>
+                  </a:txBody>
+                  <a:tcPr marL="68580" marR="68580" marT="0" marB="0" anchor="ctr">
+                    <a:solidFill>
+                      <a:schemeClr val="tx2">
+                        <a:lumMod val="20000"/>
+                        <a:lumOff val="80000"/>
+                      </a:schemeClr>
+                    </a:solidFill>
+                  </a:tcPr>
                 </a:tc>
               </a:tr>
-              <a:tr h="0">
+              <a:tr h="291217">
                 <a:tc>
                   <a:txBody>
                     <a:bodyPr/>
@@ -7742,12 +8605,12 @@
                         </a:spcAft>
                       </a:pPr>
                       <a:r>
-                        <a:rPr lang="en-US" sz="1100">
+                        <a:rPr lang="en-US" sz="1400">
                           <a:effectLst/>
                         </a:rPr>
-                        <a:t>ODROID XU4 </a:t>
-                      </a:r>
-                      <a:endParaRPr lang="en-US" sz="1100">
+                        <a:t>DJI Guidance Sensor</a:t>
+                      </a:r>
+                      <a:endParaRPr lang="en-US" sz="1400">
                         <a:effectLst/>
                         <a:latin typeface="Calibri"/>
                         <a:ea typeface="Calibri"/>
@@ -7755,7 +8618,7 @@
                       </a:endParaRPr>
                     </a:p>
                   </a:txBody>
-                  <a:tcPr marL="68580" marR="68580" marT="0" marB="0"/>
+                  <a:tcPr marL="68580" marR="68580" marT="0" marB="0" anchor="ctr"/>
                 </a:tc>
                 <a:tc>
                   <a:txBody>
@@ -7774,12 +8637,18 @@
                         </a:spcAft>
                       </a:pPr>
                       <a:r>
-                        <a:rPr lang="en-US" sz="1100">
+                        <a:rPr lang="en-US" sz="1400" b="0">
+                          <a:solidFill>
+                            <a:schemeClr val="tx1"/>
+                          </a:solidFill>
                           <a:effectLst/>
                         </a:rPr>
                         <a:t>1</a:t>
                       </a:r>
-                      <a:endParaRPr lang="en-US" sz="1100">
+                      <a:endParaRPr lang="en-US" sz="1400" b="0">
+                        <a:solidFill>
+                          <a:schemeClr val="tx1"/>
+                        </a:solidFill>
                         <a:effectLst/>
                         <a:latin typeface="Calibri"/>
                         <a:ea typeface="Calibri"/>
@@ -7787,7 +8656,14 @@
                       </a:endParaRPr>
                     </a:p>
                   </a:txBody>
-                  <a:tcPr marL="68580" marR="68580" marT="0" marB="0"/>
+                  <a:tcPr marL="68580" marR="68580" marT="0" marB="0" anchor="ctr">
+                    <a:solidFill>
+                      <a:schemeClr val="tx2">
+                        <a:lumMod val="20000"/>
+                        <a:lumOff val="80000"/>
+                      </a:schemeClr>
+                    </a:solidFill>
+                  </a:tcPr>
                 </a:tc>
                 <a:tc>
                   <a:txBody>
@@ -7806,12 +8682,18 @@
                         </a:spcAft>
                       </a:pPr>
                       <a:r>
-                        <a:rPr lang="en-US" sz="1100">
+                        <a:rPr lang="en-US" sz="1400" b="0">
+                          <a:solidFill>
+                            <a:schemeClr val="tx1"/>
+                          </a:solidFill>
                           <a:effectLst/>
                         </a:rPr>
-                        <a:t>5</a:t>
-                      </a:r>
-                      <a:endParaRPr lang="en-US" sz="1100">
+                        <a:t>14.8</a:t>
+                      </a:r>
+                      <a:endParaRPr lang="en-US" sz="1400" b="0">
+                        <a:solidFill>
+                          <a:schemeClr val="tx1"/>
+                        </a:solidFill>
                         <a:effectLst/>
                         <a:latin typeface="Calibri"/>
                         <a:ea typeface="Calibri"/>
@@ -7819,7 +8701,14 @@
                       </a:endParaRPr>
                     </a:p>
                   </a:txBody>
-                  <a:tcPr marL="68580" marR="68580" marT="0" marB="0"/>
+                  <a:tcPr marL="68580" marR="68580" marT="0" marB="0" anchor="ctr">
+                    <a:solidFill>
+                      <a:schemeClr val="tx2">
+                        <a:lumMod val="20000"/>
+                        <a:lumOff val="80000"/>
+                      </a:schemeClr>
+                    </a:solidFill>
+                  </a:tcPr>
                 </a:tc>
                 <a:tc>
                   <a:txBody>
@@ -7838,12 +8727,18 @@
                         </a:spcAft>
                       </a:pPr>
                       <a:r>
-                        <a:rPr lang="en-US" sz="1100">
+                        <a:rPr lang="en-US" sz="1400" b="0">
+                          <a:solidFill>
+                            <a:schemeClr val="tx1"/>
+                          </a:solidFill>
                           <a:effectLst/>
                         </a:rPr>
-                        <a:t>4000</a:t>
-                      </a:r>
-                      <a:endParaRPr lang="en-US" sz="1100">
+                        <a:t>810</a:t>
+                      </a:r>
+                      <a:endParaRPr lang="en-US" sz="1400" b="0">
+                        <a:solidFill>
+                          <a:schemeClr val="tx1"/>
+                        </a:solidFill>
                         <a:effectLst/>
                         <a:latin typeface="Calibri"/>
                         <a:ea typeface="Calibri"/>
@@ -7851,7 +8746,14 @@
                       </a:endParaRPr>
                     </a:p>
                   </a:txBody>
-                  <a:tcPr marL="68580" marR="68580" marT="0" marB="0"/>
+                  <a:tcPr marL="68580" marR="68580" marT="0" marB="0" anchor="ctr">
+                    <a:solidFill>
+                      <a:schemeClr val="tx2">
+                        <a:lumMod val="20000"/>
+                        <a:lumOff val="80000"/>
+                      </a:schemeClr>
+                    </a:solidFill>
+                  </a:tcPr>
                 </a:tc>
                 <a:tc>
                   <a:txBody>
@@ -7870,12 +8772,18 @@
                         </a:spcAft>
                       </a:pPr>
                       <a:r>
-                        <a:rPr lang="en-US" sz="1100">
+                        <a:rPr lang="en-US" sz="1400" b="0">
+                          <a:solidFill>
+                            <a:schemeClr val="tx1"/>
+                          </a:solidFill>
                           <a:effectLst/>
                         </a:rPr>
-                        <a:t>20000</a:t>
-                      </a:r>
-                      <a:endParaRPr lang="en-US" sz="1100">
+                        <a:t>12000</a:t>
+                      </a:r>
+                      <a:endParaRPr lang="en-US" sz="1400" b="0">
+                        <a:solidFill>
+                          <a:schemeClr val="tx1"/>
+                        </a:solidFill>
                         <a:effectLst/>
                         <a:latin typeface="Calibri"/>
                         <a:ea typeface="Calibri"/>
@@ -7883,10 +8791,17 @@
                       </a:endParaRPr>
                     </a:p>
                   </a:txBody>
-                  <a:tcPr marL="68580" marR="68580" marT="0" marB="0"/>
+                  <a:tcPr marL="68580" marR="68580" marT="0" marB="0" anchor="ctr">
+                    <a:solidFill>
+                      <a:schemeClr val="tx2">
+                        <a:lumMod val="20000"/>
+                        <a:lumOff val="80000"/>
+                      </a:schemeClr>
+                    </a:solidFill>
+                  </a:tcPr>
                 </a:tc>
               </a:tr>
-              <a:tr h="0">
+              <a:tr h="291217">
                 <a:tc>
                   <a:txBody>
                     <a:bodyPr/>
@@ -7904,12 +8819,12 @@
                         </a:spcAft>
                       </a:pPr>
                       <a:r>
-                        <a:rPr lang="en-US" sz="1100">
+                        <a:rPr lang="en-US" sz="1400">
                           <a:effectLst/>
                         </a:rPr>
-                        <a:t>DJI Guidance Sensor</a:t>
-                      </a:r>
-                      <a:endParaRPr lang="en-US" sz="1100">
+                        <a:t>Pixhawk (powers radio receiver)</a:t>
+                      </a:r>
+                      <a:endParaRPr lang="en-US" sz="1400">
                         <a:effectLst/>
                         <a:latin typeface="Calibri"/>
                         <a:ea typeface="Calibri"/>
@@ -7917,7 +8832,7 @@
                       </a:endParaRPr>
                     </a:p>
                   </a:txBody>
-                  <a:tcPr marL="68580" marR="68580" marT="0" marB="0"/>
+                  <a:tcPr marL="68580" marR="68580" marT="0" marB="0" anchor="ctr"/>
                 </a:tc>
                 <a:tc>
                   <a:txBody>
@@ -7936,12 +8851,18 @@
                         </a:spcAft>
                       </a:pPr>
                       <a:r>
-                        <a:rPr lang="en-US" sz="1100">
+                        <a:rPr lang="en-US" sz="1400" b="0">
+                          <a:solidFill>
+                            <a:schemeClr val="tx1"/>
+                          </a:solidFill>
                           <a:effectLst/>
                         </a:rPr>
                         <a:t>1</a:t>
                       </a:r>
-                      <a:endParaRPr lang="en-US" sz="1100">
+                      <a:endParaRPr lang="en-US" sz="1400" b="0">
+                        <a:solidFill>
+                          <a:schemeClr val="tx1"/>
+                        </a:solidFill>
                         <a:effectLst/>
                         <a:latin typeface="Calibri"/>
                         <a:ea typeface="Calibri"/>
@@ -7949,7 +8870,14 @@
                       </a:endParaRPr>
                     </a:p>
                   </a:txBody>
-                  <a:tcPr marL="68580" marR="68580" marT="0" marB="0"/>
+                  <a:tcPr marL="68580" marR="68580" marT="0" marB="0" anchor="ctr">
+                    <a:solidFill>
+                      <a:schemeClr val="tx2">
+                        <a:lumMod val="20000"/>
+                        <a:lumOff val="80000"/>
+                      </a:schemeClr>
+                    </a:solidFill>
+                  </a:tcPr>
                 </a:tc>
                 <a:tc>
                   <a:txBody>
@@ -7968,12 +8896,18 @@
                         </a:spcAft>
                       </a:pPr>
                       <a:r>
-                        <a:rPr lang="en-US" sz="1100">
+                        <a:rPr lang="en-US" sz="1400" b="0">
+                          <a:solidFill>
+                            <a:schemeClr val="tx1"/>
+                          </a:solidFill>
                           <a:effectLst/>
                         </a:rPr>
-                        <a:t>14.8</a:t>
-                      </a:r>
-                      <a:endParaRPr lang="en-US" sz="1100">
+                        <a:t>5</a:t>
+                      </a:r>
+                      <a:endParaRPr lang="en-US" sz="1400" b="0">
+                        <a:solidFill>
+                          <a:schemeClr val="tx1"/>
+                        </a:solidFill>
                         <a:effectLst/>
                         <a:latin typeface="Calibri"/>
                         <a:ea typeface="Calibri"/>
@@ -7981,7 +8915,14 @@
                       </a:endParaRPr>
                     </a:p>
                   </a:txBody>
-                  <a:tcPr marL="68580" marR="68580" marT="0" marB="0"/>
+                  <a:tcPr marL="68580" marR="68580" marT="0" marB="0" anchor="ctr">
+                    <a:solidFill>
+                      <a:schemeClr val="tx2">
+                        <a:lumMod val="20000"/>
+                        <a:lumOff val="80000"/>
+                      </a:schemeClr>
+                    </a:solidFill>
+                  </a:tcPr>
                 </a:tc>
                 <a:tc>
                   <a:txBody>
@@ -8000,12 +8941,18 @@
                         </a:spcAft>
                       </a:pPr>
                       <a:r>
-                        <a:rPr lang="en-US" sz="1100">
+                        <a:rPr lang="en-US" sz="1400" b="0">
+                          <a:solidFill>
+                            <a:schemeClr val="tx1"/>
+                          </a:solidFill>
                           <a:effectLst/>
                         </a:rPr>
-                        <a:t>810</a:t>
-                      </a:r>
-                      <a:endParaRPr lang="en-US" sz="1100">
+                        <a:t>300</a:t>
+                      </a:r>
+                      <a:endParaRPr lang="en-US" sz="1400" b="0">
+                        <a:solidFill>
+                          <a:schemeClr val="tx1"/>
+                        </a:solidFill>
                         <a:effectLst/>
                         <a:latin typeface="Calibri"/>
                         <a:ea typeface="Calibri"/>
@@ -8013,7 +8960,14 @@
                       </a:endParaRPr>
                     </a:p>
                   </a:txBody>
-                  <a:tcPr marL="68580" marR="68580" marT="0" marB="0"/>
+                  <a:tcPr marL="68580" marR="68580" marT="0" marB="0" anchor="ctr">
+                    <a:solidFill>
+                      <a:schemeClr val="tx2">
+                        <a:lumMod val="20000"/>
+                        <a:lumOff val="80000"/>
+                      </a:schemeClr>
+                    </a:solidFill>
+                  </a:tcPr>
                 </a:tc>
                 <a:tc>
                   <a:txBody>
@@ -8032,12 +8986,18 @@
                         </a:spcAft>
                       </a:pPr>
                       <a:r>
-                        <a:rPr lang="en-US" sz="1100">
+                        <a:rPr lang="en-US" sz="1400" b="0">
+                          <a:solidFill>
+                            <a:schemeClr val="tx1"/>
+                          </a:solidFill>
                           <a:effectLst/>
                         </a:rPr>
-                        <a:t>12000</a:t>
-                      </a:r>
-                      <a:endParaRPr lang="en-US" sz="1100">
+                        <a:t>1500</a:t>
+                      </a:r>
+                      <a:endParaRPr lang="en-US" sz="1400" b="0">
+                        <a:solidFill>
+                          <a:schemeClr val="tx1"/>
+                        </a:solidFill>
                         <a:effectLst/>
                         <a:latin typeface="Calibri"/>
                         <a:ea typeface="Calibri"/>
@@ -8045,10 +9005,17 @@
                       </a:endParaRPr>
                     </a:p>
                   </a:txBody>
-                  <a:tcPr marL="68580" marR="68580" marT="0" marB="0"/>
+                  <a:tcPr marL="68580" marR="68580" marT="0" marB="0" anchor="ctr">
+                    <a:solidFill>
+                      <a:schemeClr val="tx2">
+                        <a:lumMod val="20000"/>
+                        <a:lumOff val="80000"/>
+                      </a:schemeClr>
+                    </a:solidFill>
+                  </a:tcPr>
                 </a:tc>
               </a:tr>
-              <a:tr h="0">
+              <a:tr h="291217">
                 <a:tc>
                   <a:txBody>
                     <a:bodyPr/>
@@ -8066,12 +9033,24 @@
                         </a:spcAft>
                       </a:pPr>
                       <a:r>
-                        <a:rPr lang="en-US" sz="1100">
+                        <a:rPr lang="en-US" sz="1400" dirty="0" err="1">
                           <a:effectLst/>
                         </a:rPr>
-                        <a:t>Pixhawk</a:t>
-                      </a:r>
-                      <a:endParaRPr lang="en-US" sz="1100">
+                        <a:t>SunnySky</a:t>
+                      </a:r>
+                      <a:r>
+                        <a:rPr lang="en-US" sz="1400" dirty="0">
+                          <a:effectLst/>
+                        </a:rPr>
+                        <a:t> V2216-12 II </a:t>
+                      </a:r>
+                      <a:r>
+                        <a:rPr lang="en-US" sz="1400" dirty="0" smtClean="0">
+                          <a:effectLst/>
+                        </a:rPr>
+                        <a:t>Motors</a:t>
+                      </a:r>
+                      <a:endParaRPr lang="en-US" sz="1400" dirty="0">
                         <a:effectLst/>
                         <a:latin typeface="Calibri"/>
                         <a:ea typeface="Calibri"/>
@@ -8079,7 +9058,7 @@
                       </a:endParaRPr>
                     </a:p>
                   </a:txBody>
-                  <a:tcPr marL="68580" marR="68580" marT="0" marB="0"/>
+                  <a:tcPr marL="68580" marR="68580" marT="0" marB="0" anchor="ctr"/>
                 </a:tc>
                 <a:tc>
                   <a:txBody>
@@ -8098,12 +9077,18 @@
                         </a:spcAft>
                       </a:pPr>
                       <a:r>
-                        <a:rPr lang="en-US" sz="1100">
+                        <a:rPr lang="en-US" sz="1400" b="0">
+                          <a:solidFill>
+                            <a:schemeClr val="tx1"/>
+                          </a:solidFill>
                           <a:effectLst/>
                         </a:rPr>
-                        <a:t>1</a:t>
-                      </a:r>
-                      <a:endParaRPr lang="en-US" sz="1100">
+                        <a:t>4</a:t>
+                      </a:r>
+                      <a:endParaRPr lang="en-US" sz="1400" b="0">
+                        <a:solidFill>
+                          <a:schemeClr val="tx1"/>
+                        </a:solidFill>
                         <a:effectLst/>
                         <a:latin typeface="Calibri"/>
                         <a:ea typeface="Calibri"/>
@@ -8111,7 +9096,14 @@
                       </a:endParaRPr>
                     </a:p>
                   </a:txBody>
-                  <a:tcPr marL="68580" marR="68580" marT="0" marB="0"/>
+                  <a:tcPr marL="68580" marR="68580" marT="0" marB="0" anchor="ctr">
+                    <a:solidFill>
+                      <a:schemeClr val="tx2">
+                        <a:lumMod val="20000"/>
+                        <a:lumOff val="80000"/>
+                      </a:schemeClr>
+                    </a:solidFill>
+                  </a:tcPr>
                 </a:tc>
                 <a:tc>
                   <a:txBody>
@@ -8130,12 +9122,18 @@
                         </a:spcAft>
                       </a:pPr>
                       <a:r>
-                        <a:rPr lang="en-US" sz="1100">
+                        <a:rPr lang="en-US" sz="1400" b="0">
+                          <a:solidFill>
+                            <a:schemeClr val="tx1"/>
+                          </a:solidFill>
                           <a:effectLst/>
                         </a:rPr>
-                        <a:t>5</a:t>
-                      </a:r>
-                      <a:endParaRPr lang="en-US" sz="1100">
+                        <a:t>14.8</a:t>
+                      </a:r>
+                      <a:endParaRPr lang="en-US" sz="1400" b="0">
+                        <a:solidFill>
+                          <a:schemeClr val="tx1"/>
+                        </a:solidFill>
                         <a:effectLst/>
                         <a:latin typeface="Calibri"/>
                         <a:ea typeface="Calibri"/>
@@ -8143,7 +9141,14 @@
                       </a:endParaRPr>
                     </a:p>
                   </a:txBody>
-                  <a:tcPr marL="68580" marR="68580" marT="0" marB="0"/>
+                  <a:tcPr marL="68580" marR="68580" marT="0" marB="0" anchor="ctr">
+                    <a:solidFill>
+                      <a:schemeClr val="tx2">
+                        <a:lumMod val="20000"/>
+                        <a:lumOff val="80000"/>
+                      </a:schemeClr>
+                    </a:solidFill>
+                  </a:tcPr>
                 </a:tc>
                 <a:tc>
                   <a:txBody>
@@ -8162,12 +9167,18 @@
                         </a:spcAft>
                       </a:pPr>
                       <a:r>
-                        <a:rPr lang="en-US" sz="1100">
+                        <a:rPr lang="en-US" sz="1400" b="0">
+                          <a:solidFill>
+                            <a:schemeClr val="tx1"/>
+                          </a:solidFill>
                           <a:effectLst/>
                         </a:rPr>
-                        <a:t>300</a:t>
-                      </a:r>
-                      <a:endParaRPr lang="en-US" sz="1100">
+                        <a:t>4730</a:t>
+                      </a:r>
+                      <a:endParaRPr lang="en-US" sz="1400" b="0">
+                        <a:solidFill>
+                          <a:schemeClr val="tx1"/>
+                        </a:solidFill>
                         <a:effectLst/>
                         <a:latin typeface="Calibri"/>
                         <a:ea typeface="Calibri"/>
@@ -8175,7 +9186,14 @@
                       </a:endParaRPr>
                     </a:p>
                   </a:txBody>
-                  <a:tcPr marL="68580" marR="68580" marT="0" marB="0"/>
+                  <a:tcPr marL="68580" marR="68580" marT="0" marB="0" anchor="ctr">
+                    <a:solidFill>
+                      <a:schemeClr val="tx2">
+                        <a:lumMod val="20000"/>
+                        <a:lumOff val="80000"/>
+                      </a:schemeClr>
+                    </a:solidFill>
+                  </a:tcPr>
                 </a:tc>
                 <a:tc>
                   <a:txBody>
@@ -8194,12 +9212,18 @@
                         </a:spcAft>
                       </a:pPr>
                       <a:r>
-                        <a:rPr lang="en-US" sz="1100">
+                        <a:rPr lang="en-US" sz="1400" b="0" dirty="0">
+                          <a:solidFill>
+                            <a:schemeClr val="tx1"/>
+                          </a:solidFill>
                           <a:effectLst/>
                         </a:rPr>
-                        <a:t>1500</a:t>
-                      </a:r>
-                      <a:endParaRPr lang="en-US" sz="1100">
+                        <a:t>70017</a:t>
+                      </a:r>
+                      <a:endParaRPr lang="en-US" sz="1400" b="0" dirty="0">
+                        <a:solidFill>
+                          <a:schemeClr val="tx1"/>
+                        </a:solidFill>
                         <a:effectLst/>
                         <a:latin typeface="Calibri"/>
                         <a:ea typeface="Calibri"/>
@@ -8207,16 +9231,23 @@
                       </a:endParaRPr>
                     </a:p>
                   </a:txBody>
-                  <a:tcPr marL="68580" marR="68580" marT="0" marB="0"/>
+                  <a:tcPr marL="68580" marR="68580" marT="0" marB="0" anchor="ctr">
+                    <a:solidFill>
+                      <a:schemeClr val="tx2">
+                        <a:lumMod val="20000"/>
+                        <a:lumOff val="80000"/>
+                      </a:schemeClr>
+                    </a:solidFill>
+                  </a:tcPr>
                 </a:tc>
               </a:tr>
-              <a:tr h="0">
-                <a:tc>
+              <a:tr h="291217">
+                <a:tc gridSpan="3">
                   <a:txBody>
                     <a:bodyPr/>
                     <a:lstStyle/>
                     <a:p>
-                      <a:pPr marL="0" marR="0">
+                      <a:pPr marL="0" marR="0" algn="ctr">
                         <a:lnSpc>
                           <a:spcPct val="115000"/>
                         </a:lnSpc>
@@ -8228,12 +9259,18 @@
                         </a:spcAft>
                       </a:pPr>
                       <a:r>
-                        <a:rPr lang="en-US" sz="1100">
+                        <a:rPr lang="en-US" sz="1400" b="1">
+                          <a:solidFill>
+                            <a:schemeClr val="tx1"/>
+                          </a:solidFill>
                           <a:effectLst/>
                         </a:rPr>
-                        <a:t>FliR Lepton LWIR Camera</a:t>
-                      </a:r>
-                      <a:endParaRPr lang="en-US" sz="1100">
+                        <a:t>Total</a:t>
+                      </a:r>
+                      <a:endParaRPr lang="en-US" sz="1400" b="1">
+                        <a:solidFill>
+                          <a:schemeClr val="tx1"/>
+                        </a:solidFill>
                         <a:effectLst/>
                         <a:latin typeface="Calibri"/>
                         <a:ea typeface="Calibri"/>
@@ -8241,7 +9278,34 @@
                       </a:endParaRPr>
                     </a:p>
                   </a:txBody>
-                  <a:tcPr marL="68580" marR="68580" marT="0" marB="0"/>
+                  <a:tcPr marL="68580" marR="68580" marT="0" marB="0" anchor="ctr">
+                    <a:solidFill>
+                      <a:schemeClr val="tx2">
+                        <a:lumMod val="20000"/>
+                        <a:lumOff val="80000"/>
+                      </a:schemeClr>
+                    </a:solidFill>
+                  </a:tcPr>
+                </a:tc>
+                <a:tc hMerge="1">
+                  <a:txBody>
+                    <a:bodyPr/>
+                    <a:lstStyle/>
+                    <a:p>
+                      <a:endParaRPr lang="en-US"/>
+                    </a:p>
+                  </a:txBody>
+                  <a:tcPr/>
+                </a:tc>
+                <a:tc hMerge="1">
+                  <a:txBody>
+                    <a:bodyPr/>
+                    <a:lstStyle/>
+                    <a:p>
+                      <a:endParaRPr lang="en-US"/>
+                    </a:p>
+                  </a:txBody>
+                  <a:tcPr/>
                 </a:tc>
                 <a:tc>
                   <a:txBody>
@@ -8260,12 +9324,18 @@
                         </a:spcAft>
                       </a:pPr>
                       <a:r>
-                        <a:rPr lang="en-US" sz="1100">
+                        <a:rPr lang="en-US" sz="1400" b="1">
+                          <a:solidFill>
+                            <a:schemeClr val="tx1"/>
+                          </a:solidFill>
                           <a:effectLst/>
                         </a:rPr>
-                        <a:t>1</a:t>
-                      </a:r>
-                      <a:endParaRPr lang="en-US" sz="1100">
+                        <a:t>24030</a:t>
+                      </a:r>
+                      <a:endParaRPr lang="en-US" sz="1400" b="1">
+                        <a:solidFill>
+                          <a:schemeClr val="tx1"/>
+                        </a:solidFill>
                         <a:effectLst/>
                         <a:latin typeface="Calibri"/>
                         <a:ea typeface="Calibri"/>
@@ -8273,7 +9343,14 @@
                       </a:endParaRPr>
                     </a:p>
                   </a:txBody>
-                  <a:tcPr marL="68580" marR="68580" marT="0" marB="0"/>
+                  <a:tcPr marL="68580" marR="68580" marT="0" marB="0" anchor="ctr">
+                    <a:solidFill>
+                      <a:schemeClr val="tx2">
+                        <a:lumMod val="20000"/>
+                        <a:lumOff val="80000"/>
+                      </a:schemeClr>
+                    </a:solidFill>
+                  </a:tcPr>
                 </a:tc>
                 <a:tc>
                   <a:txBody>
@@ -8292,12 +9369,18 @@
                         </a:spcAft>
                       </a:pPr>
                       <a:r>
-                        <a:rPr lang="en-US" sz="1100">
+                        <a:rPr lang="en-US" sz="1400" b="1" dirty="0">
+                          <a:solidFill>
+                            <a:schemeClr val="tx1"/>
+                          </a:solidFill>
                           <a:effectLst/>
                         </a:rPr>
-                        <a:t> </a:t>
-                      </a:r>
-                      <a:endParaRPr lang="en-US" sz="1100">
+                        <a:t>313568</a:t>
+                      </a:r>
+                      <a:endParaRPr lang="en-US" sz="1400" b="1" dirty="0">
+                        <a:solidFill>
+                          <a:schemeClr val="tx1"/>
+                        </a:solidFill>
                         <a:effectLst/>
                         <a:latin typeface="Calibri"/>
                         <a:ea typeface="Calibri"/>
@@ -8305,563 +9388,64 @@
                       </a:endParaRPr>
                     </a:p>
                   </a:txBody>
-                  <a:tcPr marL="68580" marR="68580" marT="0" marB="0"/>
-                </a:tc>
-                <a:tc>
-                  <a:txBody>
-                    <a:bodyPr/>
-                    <a:lstStyle/>
-                    <a:p>
-                      <a:pPr marL="0" marR="0" algn="ctr">
-                        <a:lnSpc>
-                          <a:spcPct val="115000"/>
-                        </a:lnSpc>
-                        <a:spcBef>
-                          <a:spcPts val="0"/>
-                        </a:spcBef>
-                        <a:spcAft>
-                          <a:spcPts val="0"/>
-                        </a:spcAft>
-                      </a:pPr>
-                      <a:r>
-                        <a:rPr lang="en-US" sz="1100">
-                          <a:effectLst/>
-                        </a:rPr>
-                        <a:t> </a:t>
-                      </a:r>
-                      <a:endParaRPr lang="en-US" sz="1100">
-                        <a:effectLst/>
-                        <a:latin typeface="Calibri"/>
-                        <a:ea typeface="Calibri"/>
-                        <a:cs typeface="Times New Roman"/>
-                      </a:endParaRPr>
-                    </a:p>
-                  </a:txBody>
-                  <a:tcPr marL="68580" marR="68580" marT="0" marB="0"/>
-                </a:tc>
-                <a:tc>
-                  <a:txBody>
-                    <a:bodyPr/>
-                    <a:lstStyle/>
-                    <a:p>
-                      <a:pPr marL="0" marR="0" algn="ctr">
-                        <a:lnSpc>
-                          <a:spcPct val="115000"/>
-                        </a:lnSpc>
-                        <a:spcBef>
-                          <a:spcPts val="0"/>
-                        </a:spcBef>
-                        <a:spcAft>
-                          <a:spcPts val="0"/>
-                        </a:spcAft>
-                      </a:pPr>
-                      <a:r>
-                        <a:rPr lang="en-US" sz="1100">
-                          <a:effectLst/>
-                        </a:rPr>
-                        <a:t> </a:t>
-                      </a:r>
-                      <a:endParaRPr lang="en-US" sz="1100">
-                        <a:effectLst/>
-                        <a:latin typeface="Calibri"/>
-                        <a:ea typeface="Calibri"/>
-                        <a:cs typeface="Times New Roman"/>
-                      </a:endParaRPr>
-                    </a:p>
-                  </a:txBody>
-                  <a:tcPr marL="68580" marR="68580" marT="0" marB="0"/>
-                </a:tc>
-              </a:tr>
-              <a:tr h="0">
-                <a:tc>
-                  <a:txBody>
-                    <a:bodyPr/>
-                    <a:lstStyle/>
-                    <a:p>
-                      <a:pPr marL="0" marR="0">
-                        <a:lnSpc>
-                          <a:spcPct val="115000"/>
-                        </a:lnSpc>
-                        <a:spcBef>
-                          <a:spcPts val="0"/>
-                        </a:spcBef>
-                        <a:spcAft>
-                          <a:spcPts val="0"/>
-                        </a:spcAft>
-                      </a:pPr>
-                      <a:r>
-                        <a:rPr lang="en-US" sz="1100">
-                          <a:effectLst/>
-                        </a:rPr>
-                        <a:t>FrSKY TFR4 Radio Receiver</a:t>
-                      </a:r>
-                      <a:endParaRPr lang="en-US" sz="1100">
-                        <a:effectLst/>
-                        <a:latin typeface="Calibri"/>
-                        <a:ea typeface="Calibri"/>
-                        <a:cs typeface="Times New Roman"/>
-                      </a:endParaRPr>
-                    </a:p>
-                  </a:txBody>
-                  <a:tcPr marL="68580" marR="68580" marT="0" marB="0"/>
-                </a:tc>
-                <a:tc>
-                  <a:txBody>
-                    <a:bodyPr/>
-                    <a:lstStyle/>
-                    <a:p>
-                      <a:pPr marL="0" marR="0" algn="ctr">
-                        <a:lnSpc>
-                          <a:spcPct val="115000"/>
-                        </a:lnSpc>
-                        <a:spcBef>
-                          <a:spcPts val="0"/>
-                        </a:spcBef>
-                        <a:spcAft>
-                          <a:spcPts val="0"/>
-                        </a:spcAft>
-                      </a:pPr>
-                      <a:r>
-                        <a:rPr lang="en-US" sz="1100">
-                          <a:effectLst/>
-                        </a:rPr>
-                        <a:t>1</a:t>
-                      </a:r>
-                      <a:endParaRPr lang="en-US" sz="1100">
-                        <a:effectLst/>
-                        <a:latin typeface="Calibri"/>
-                        <a:ea typeface="Calibri"/>
-                        <a:cs typeface="Times New Roman"/>
-                      </a:endParaRPr>
-                    </a:p>
-                  </a:txBody>
-                  <a:tcPr marL="68580" marR="68580" marT="0" marB="0"/>
-                </a:tc>
-                <a:tc>
-                  <a:txBody>
-                    <a:bodyPr/>
-                    <a:lstStyle/>
-                    <a:p>
-                      <a:pPr marL="0" marR="0" algn="ctr">
-                        <a:lnSpc>
-                          <a:spcPct val="115000"/>
-                        </a:lnSpc>
-                        <a:spcBef>
-                          <a:spcPts val="0"/>
-                        </a:spcBef>
-                        <a:spcAft>
-                          <a:spcPts val="0"/>
-                        </a:spcAft>
-                      </a:pPr>
-                      <a:r>
-                        <a:rPr lang="en-US" sz="1100">
-                          <a:effectLst/>
-                        </a:rPr>
-                        <a:t> </a:t>
-                      </a:r>
-                      <a:endParaRPr lang="en-US" sz="1100">
-                        <a:effectLst/>
-                        <a:latin typeface="Calibri"/>
-                        <a:ea typeface="Calibri"/>
-                        <a:cs typeface="Times New Roman"/>
-                      </a:endParaRPr>
-                    </a:p>
-                  </a:txBody>
-                  <a:tcPr marL="68580" marR="68580" marT="0" marB="0"/>
-                </a:tc>
-                <a:tc>
-                  <a:txBody>
-                    <a:bodyPr/>
-                    <a:lstStyle/>
-                    <a:p>
-                      <a:pPr marL="0" marR="0" algn="ctr">
-                        <a:lnSpc>
-                          <a:spcPct val="115000"/>
-                        </a:lnSpc>
-                        <a:spcBef>
-                          <a:spcPts val="0"/>
-                        </a:spcBef>
-                        <a:spcAft>
-                          <a:spcPts val="0"/>
-                        </a:spcAft>
-                      </a:pPr>
-                      <a:r>
-                        <a:rPr lang="en-US" sz="1100">
-                          <a:effectLst/>
-                        </a:rPr>
-                        <a:t> </a:t>
-                      </a:r>
-                      <a:endParaRPr lang="en-US" sz="1100">
-                        <a:effectLst/>
-                        <a:latin typeface="Calibri"/>
-                        <a:ea typeface="Calibri"/>
-                        <a:cs typeface="Times New Roman"/>
-                      </a:endParaRPr>
-                    </a:p>
-                  </a:txBody>
-                  <a:tcPr marL="68580" marR="68580" marT="0" marB="0"/>
-                </a:tc>
-                <a:tc>
-                  <a:txBody>
-                    <a:bodyPr/>
-                    <a:lstStyle/>
-                    <a:p>
-                      <a:pPr marL="0" marR="0" algn="ctr">
-                        <a:lnSpc>
-                          <a:spcPct val="115000"/>
-                        </a:lnSpc>
-                        <a:spcBef>
-                          <a:spcPts val="0"/>
-                        </a:spcBef>
-                        <a:spcAft>
-                          <a:spcPts val="0"/>
-                        </a:spcAft>
-                      </a:pPr>
-                      <a:r>
-                        <a:rPr lang="en-US" sz="1100">
-                          <a:effectLst/>
-                        </a:rPr>
-                        <a:t> </a:t>
-                      </a:r>
-                      <a:endParaRPr lang="en-US" sz="1100">
-                        <a:effectLst/>
-                        <a:latin typeface="Calibri"/>
-                        <a:ea typeface="Calibri"/>
-                        <a:cs typeface="Times New Roman"/>
-                      </a:endParaRPr>
-                    </a:p>
-                  </a:txBody>
-                  <a:tcPr marL="68580" marR="68580" marT="0" marB="0"/>
-                </a:tc>
-              </a:tr>
-              <a:tr h="0">
-                <a:tc>
-                  <a:txBody>
-                    <a:bodyPr/>
-                    <a:lstStyle/>
-                    <a:p>
-                      <a:pPr marL="0" marR="0">
-                        <a:lnSpc>
-                          <a:spcPct val="115000"/>
-                        </a:lnSpc>
-                        <a:spcBef>
-                          <a:spcPts val="0"/>
-                        </a:spcBef>
-                        <a:spcAft>
-                          <a:spcPts val="0"/>
-                        </a:spcAft>
-                      </a:pPr>
-                      <a:r>
-                        <a:rPr lang="en-US" sz="1100">
-                          <a:effectLst/>
-                        </a:rPr>
-                        <a:t>SunnySky V2216-12 II Motors</a:t>
-                      </a:r>
-                      <a:endParaRPr lang="en-US" sz="1100">
-                        <a:effectLst/>
-                        <a:latin typeface="Calibri"/>
-                        <a:ea typeface="Calibri"/>
-                        <a:cs typeface="Times New Roman"/>
-                      </a:endParaRPr>
-                    </a:p>
-                  </a:txBody>
-                  <a:tcPr marL="68580" marR="68580" marT="0" marB="0"/>
-                </a:tc>
-                <a:tc>
-                  <a:txBody>
-                    <a:bodyPr/>
-                    <a:lstStyle/>
-                    <a:p>
-                      <a:pPr marL="0" marR="0" algn="ctr">
-                        <a:lnSpc>
-                          <a:spcPct val="115000"/>
-                        </a:lnSpc>
-                        <a:spcBef>
-                          <a:spcPts val="0"/>
-                        </a:spcBef>
-                        <a:spcAft>
-                          <a:spcPts val="0"/>
-                        </a:spcAft>
-                      </a:pPr>
-                      <a:r>
-                        <a:rPr lang="en-US" sz="1100">
-                          <a:effectLst/>
-                        </a:rPr>
-                        <a:t>4</a:t>
-                      </a:r>
-                      <a:endParaRPr lang="en-US" sz="1100">
-                        <a:effectLst/>
-                        <a:latin typeface="Calibri"/>
-                        <a:ea typeface="Calibri"/>
-                        <a:cs typeface="Times New Roman"/>
-                      </a:endParaRPr>
-                    </a:p>
-                  </a:txBody>
-                  <a:tcPr marL="68580" marR="68580" marT="0" marB="0"/>
-                </a:tc>
-                <a:tc>
-                  <a:txBody>
-                    <a:bodyPr/>
-                    <a:lstStyle/>
-                    <a:p>
-                      <a:pPr marL="0" marR="0" algn="ctr">
-                        <a:lnSpc>
-                          <a:spcPct val="115000"/>
-                        </a:lnSpc>
-                        <a:spcBef>
-                          <a:spcPts val="0"/>
-                        </a:spcBef>
-                        <a:spcAft>
-                          <a:spcPts val="0"/>
-                        </a:spcAft>
-                      </a:pPr>
-                      <a:r>
-                        <a:rPr lang="en-US" sz="1100">
-                          <a:effectLst/>
-                        </a:rPr>
-                        <a:t>14.8</a:t>
-                      </a:r>
-                      <a:endParaRPr lang="en-US" sz="1100">
-                        <a:effectLst/>
-                        <a:latin typeface="Calibri"/>
-                        <a:ea typeface="Calibri"/>
-                        <a:cs typeface="Times New Roman"/>
-                      </a:endParaRPr>
-                    </a:p>
-                  </a:txBody>
-                  <a:tcPr marL="68580" marR="68580" marT="0" marB="0"/>
-                </a:tc>
-                <a:tc>
-                  <a:txBody>
-                    <a:bodyPr/>
-                    <a:lstStyle/>
-                    <a:p>
-                      <a:pPr marL="0" marR="0" algn="ctr">
-                        <a:lnSpc>
-                          <a:spcPct val="115000"/>
-                        </a:lnSpc>
-                        <a:spcBef>
-                          <a:spcPts val="0"/>
-                        </a:spcBef>
-                        <a:spcAft>
-                          <a:spcPts val="0"/>
-                        </a:spcAft>
-                      </a:pPr>
-                      <a:r>
-                        <a:rPr lang="en-US" sz="1100">
-                          <a:effectLst/>
-                        </a:rPr>
-                        <a:t>18981*</a:t>
-                      </a:r>
-                      <a:endParaRPr lang="en-US" sz="1100">
-                        <a:effectLst/>
-                        <a:latin typeface="Calibri"/>
-                        <a:ea typeface="Calibri"/>
-                        <a:cs typeface="Times New Roman"/>
-                      </a:endParaRPr>
-                    </a:p>
-                  </a:txBody>
-                  <a:tcPr marL="68580" marR="68580" marT="0" marB="0"/>
-                </a:tc>
-                <a:tc>
-                  <a:txBody>
-                    <a:bodyPr/>
-                    <a:lstStyle/>
-                    <a:p>
-                      <a:pPr marL="0" marR="0" algn="ctr">
-                        <a:lnSpc>
-                          <a:spcPct val="115000"/>
-                        </a:lnSpc>
-                        <a:spcBef>
-                          <a:spcPts val="0"/>
-                        </a:spcBef>
-                        <a:spcAft>
-                          <a:spcPts val="0"/>
-                        </a:spcAft>
-                      </a:pPr>
-                      <a:r>
-                        <a:rPr lang="en-US" sz="1100">
-                          <a:effectLst/>
-                        </a:rPr>
-                        <a:t>280924</a:t>
-                      </a:r>
-                      <a:endParaRPr lang="en-US" sz="1100">
-                        <a:effectLst/>
-                        <a:latin typeface="Calibri"/>
-                        <a:ea typeface="Calibri"/>
-                        <a:cs typeface="Times New Roman"/>
-                      </a:endParaRPr>
-                    </a:p>
-                  </a:txBody>
-                  <a:tcPr marL="68580" marR="68580" marT="0" marB="0"/>
-                </a:tc>
-              </a:tr>
-              <a:tr h="0">
-                <a:tc>
-                  <a:txBody>
-                    <a:bodyPr/>
-                    <a:lstStyle/>
-                    <a:p>
-                      <a:pPr marL="0" marR="0">
-                        <a:lnSpc>
-                          <a:spcPct val="115000"/>
-                        </a:lnSpc>
-                        <a:spcBef>
-                          <a:spcPts val="0"/>
-                        </a:spcBef>
-                        <a:spcAft>
-                          <a:spcPts val="0"/>
-                        </a:spcAft>
-                      </a:pPr>
-                      <a:r>
-                        <a:rPr lang="en-US" sz="1100">
-                          <a:effectLst/>
-                        </a:rPr>
-                        <a:t> </a:t>
-                      </a:r>
-                      <a:endParaRPr lang="en-US" sz="1100">
-                        <a:effectLst/>
-                        <a:latin typeface="Calibri"/>
-                        <a:ea typeface="Calibri"/>
-                        <a:cs typeface="Times New Roman"/>
-                      </a:endParaRPr>
-                    </a:p>
-                  </a:txBody>
-                  <a:tcPr marL="68580" marR="68580" marT="0" marB="0"/>
-                </a:tc>
-                <a:tc>
-                  <a:txBody>
-                    <a:bodyPr/>
-                    <a:lstStyle/>
-                    <a:p>
-                      <a:pPr marL="0" marR="0" algn="ctr">
-                        <a:lnSpc>
-                          <a:spcPct val="115000"/>
-                        </a:lnSpc>
-                        <a:spcBef>
-                          <a:spcPts val="0"/>
-                        </a:spcBef>
-                        <a:spcAft>
-                          <a:spcPts val="0"/>
-                        </a:spcAft>
-                      </a:pPr>
-                      <a:r>
-                        <a:rPr lang="en-US" sz="1100">
-                          <a:effectLst/>
-                        </a:rPr>
-                        <a:t> </a:t>
-                      </a:r>
-                      <a:endParaRPr lang="en-US" sz="1100">
-                        <a:effectLst/>
-                        <a:latin typeface="Calibri"/>
-                        <a:ea typeface="Calibri"/>
-                        <a:cs typeface="Times New Roman"/>
-                      </a:endParaRPr>
-                    </a:p>
-                  </a:txBody>
-                  <a:tcPr marL="68580" marR="68580" marT="0" marB="0"/>
-                </a:tc>
-                <a:tc>
-                  <a:txBody>
-                    <a:bodyPr/>
-                    <a:lstStyle/>
-                    <a:p>
-                      <a:pPr marL="0" marR="0" algn="ctr">
-                        <a:lnSpc>
-                          <a:spcPct val="115000"/>
-                        </a:lnSpc>
-                        <a:spcBef>
-                          <a:spcPts val="0"/>
-                        </a:spcBef>
-                        <a:spcAft>
-                          <a:spcPts val="0"/>
-                        </a:spcAft>
-                      </a:pPr>
-                      <a:r>
-                        <a:rPr lang="en-US" sz="1100">
-                          <a:effectLst/>
-                        </a:rPr>
-                        <a:t> </a:t>
-                      </a:r>
-                      <a:endParaRPr lang="en-US" sz="1100">
-                        <a:effectLst/>
-                        <a:latin typeface="Calibri"/>
-                        <a:ea typeface="Calibri"/>
-                        <a:cs typeface="Times New Roman"/>
-                      </a:endParaRPr>
-                    </a:p>
-                  </a:txBody>
-                  <a:tcPr marL="68580" marR="68580" marT="0" marB="0"/>
-                </a:tc>
-                <a:tc>
-                  <a:txBody>
-                    <a:bodyPr/>
-                    <a:lstStyle/>
-                    <a:p>
-                      <a:pPr marL="0" marR="0" algn="ctr">
-                        <a:lnSpc>
-                          <a:spcPct val="115000"/>
-                        </a:lnSpc>
-                        <a:spcBef>
-                          <a:spcPts val="0"/>
-                        </a:spcBef>
-                        <a:spcAft>
-                          <a:spcPts val="0"/>
-                        </a:spcAft>
-                      </a:pPr>
-                      <a:r>
-                        <a:rPr lang="en-US" sz="1100">
-                          <a:effectLst/>
-                        </a:rPr>
-                        <a:t> </a:t>
-                      </a:r>
-                      <a:endParaRPr lang="en-US" sz="1100">
-                        <a:effectLst/>
-                        <a:latin typeface="Calibri"/>
-                        <a:ea typeface="Calibri"/>
-                        <a:cs typeface="Times New Roman"/>
-                      </a:endParaRPr>
-                    </a:p>
-                  </a:txBody>
-                  <a:tcPr marL="68580" marR="68580" marT="0" marB="0"/>
-                </a:tc>
-                <a:tc>
-                  <a:txBody>
-                    <a:bodyPr/>
-                    <a:lstStyle/>
-                    <a:p>
-                      <a:pPr marL="0" marR="0" algn="ctr">
-                        <a:lnSpc>
-                          <a:spcPct val="115000"/>
-                        </a:lnSpc>
-                        <a:spcBef>
-                          <a:spcPts val="0"/>
-                        </a:spcBef>
-                        <a:spcAft>
-                          <a:spcPts val="0"/>
-                        </a:spcAft>
-                      </a:pPr>
-                      <a:r>
-                        <a:rPr lang="en-US" sz="1100" dirty="0">
-                          <a:effectLst/>
-                        </a:rPr>
-                        <a:t> </a:t>
-                      </a:r>
-                      <a:endParaRPr lang="en-US" sz="1100" dirty="0">
-                        <a:effectLst/>
-                        <a:latin typeface="Calibri"/>
-                        <a:ea typeface="Calibri"/>
-                        <a:cs typeface="Times New Roman"/>
-                      </a:endParaRPr>
-                    </a:p>
-                  </a:txBody>
-                  <a:tcPr marL="68580" marR="68580" marT="0" marB="0"/>
+                  <a:tcPr marL="68580" marR="68580" marT="0" marB="0" anchor="ctr">
+                    <a:solidFill>
+                      <a:schemeClr val="tx2">
+                        <a:lumMod val="20000"/>
+                        <a:lumOff val="80000"/>
+                      </a:schemeClr>
+                    </a:solidFill>
+                  </a:tcPr>
                 </a:tc>
               </a:tr>
             </a:tbl>
           </a:graphicData>
         </a:graphic>
       </p:graphicFrame>
+      <p:sp>
+        <p:nvSpPr>
+          <p:cNvPr id="10" name="TextBox 9"/>
+          <p:cNvSpPr txBox="1"/>
+          <p:nvPr/>
+        </p:nvSpPr>
+        <p:spPr>
+          <a:xfrm>
+            <a:off x="887939" y="4248615"/>
+            <a:ext cx="7731954" cy="646331"/>
+          </a:xfrm>
+          <a:prstGeom prst="rect">
+            <a:avLst/>
+          </a:prstGeom>
+          <a:noFill/>
+        </p:spPr>
+        <p:txBody>
+          <a:bodyPr wrap="square" rtlCol="0">
+            <a:spAutoFit/>
+          </a:bodyPr>
+          <a:lstStyle/>
+          <a:p>
+            <a:pPr marL="285750" indent="-285750">
+              <a:buFont typeface="Arial" panose="020B0604020202020204" pitchFamily="34" charset="0"/>
+              <a:buChar char="•"/>
+            </a:pPr>
+            <a:r>
+              <a:rPr lang="en-US" dirty="0" smtClean="0"/>
+              <a:t>Motors use 89.3% of total power consumption (78.7% of Current Draw)</a:t>
+            </a:r>
+          </a:p>
+          <a:p>
+            <a:pPr marL="285750" indent="-285750">
+              <a:buFont typeface="Arial" panose="020B0604020202020204" pitchFamily="34" charset="0"/>
+              <a:buChar char="•"/>
+            </a:pPr>
+            <a:r>
+              <a:rPr lang="en-US" dirty="0" smtClean="0"/>
+              <a:t>Motor estimated at hovering condition</a:t>
+            </a:r>
+            <a:endParaRPr lang="en-US" dirty="0"/>
+          </a:p>
+        </p:txBody>
+      </p:sp>
     </p:spTree>
     <p:extLst>
       <p:ext uri="{BB962C8B-B14F-4D97-AF65-F5344CB8AC3E}">
@@ -9084,17 +9668,7 @@
                   <a:latin typeface="Candara"/>
                   <a:cs typeface="Candara"/>
                 </a:rPr>
-                <a:t>: </a:t>
-              </a:r>
-              <a:r>
-                <a:rPr lang="en-US" sz="2400" dirty="0" smtClean="0">
-                  <a:solidFill>
-                    <a:srgbClr val="FFFFFF"/>
-                  </a:solidFill>
-                  <a:latin typeface="Candara"/>
-                  <a:cs typeface="Candara"/>
-                </a:rPr>
-                <a:t>Flight Endurance</a:t>
+                <a:t>: Flight Endurance</a:t>
               </a:r>
               <a:endParaRPr lang="en-US" sz="2400" dirty="0">
                 <a:solidFill>
@@ -9107,6 +9681,250 @@
           </p:txBody>
         </p:sp>
       </p:grpSp>
+      <p:pic>
+        <p:nvPicPr>
+          <p:cNvPr id="10" name="Picture 9"/>
+          <p:cNvPicPr/>
+          <p:nvPr/>
+        </p:nvPicPr>
+        <p:blipFill>
+          <a:blip r:embed="rId4">
+            <a:extLst>
+              <a:ext uri="{28A0092B-C50C-407E-A947-70E740481C1C}">
+                <a14:useLocalDpi xmlns:a14="http://schemas.microsoft.com/office/drawing/2010/main" val="0"/>
+              </a:ext>
+            </a:extLst>
+          </a:blip>
+          <a:stretch>
+            <a:fillRect/>
+          </a:stretch>
+        </p:blipFill>
+        <p:spPr>
+          <a:xfrm>
+            <a:off x="3513470" y="1434872"/>
+            <a:ext cx="5473690" cy="4356329"/>
+          </a:xfrm>
+          <a:prstGeom prst="rect">
+            <a:avLst/>
+          </a:prstGeom>
+        </p:spPr>
+      </p:pic>
+      <p:graphicFrame>
+        <p:nvGraphicFramePr>
+          <p:cNvPr id="2" name="Table 1"/>
+          <p:cNvGraphicFramePr>
+            <a:graphicFrameLocks noGrp="1"/>
+          </p:cNvGraphicFramePr>
+          <p:nvPr>
+            <p:extLst>
+              <p:ext uri="{D42A27DB-BD31-4B8C-83A1-F6EECF244321}">
+                <p14:modId xmlns:p14="http://schemas.microsoft.com/office/powerpoint/2010/main" val="2350854130"/>
+              </p:ext>
+            </p:extLst>
+          </p:nvPr>
+        </p:nvGraphicFramePr>
+        <p:xfrm>
+          <a:off x="250371" y="1794102"/>
+          <a:ext cx="3058886" cy="3243805"/>
+        </p:xfrm>
+        <a:graphic>
+          <a:graphicData uri="http://schemas.openxmlformats.org/drawingml/2006/table">
+            <a:tbl>
+              <a:tblPr firstRow="1" bandRow="1">
+                <a:tableStyleId>{5C22544A-7EE6-4342-B048-85BDC9FD1C3A}</a:tableStyleId>
+              </a:tblPr>
+              <a:tblGrid>
+                <a:gridCol w="1529443"/>
+                <a:gridCol w="1529443"/>
+              </a:tblGrid>
+              <a:tr h="648761">
+                <a:tc>
+                  <a:txBody>
+                    <a:bodyPr/>
+                    <a:lstStyle/>
+                    <a:p>
+                      <a:pPr algn="ctr"/>
+                      <a:r>
+                        <a:rPr lang="en-US" sz="2000" b="1" dirty="0" smtClean="0"/>
+                        <a:t>Mass [kg]</a:t>
+                      </a:r>
+                      <a:endParaRPr lang="en-US" sz="2000" b="1" dirty="0"/>
+                    </a:p>
+                  </a:txBody>
+                  <a:tcPr anchor="ctr"/>
+                </a:tc>
+                <a:tc>
+                  <a:txBody>
+                    <a:bodyPr/>
+                    <a:lstStyle/>
+                    <a:p>
+                      <a:pPr algn="ctr"/>
+                      <a:r>
+                        <a:rPr lang="en-US" sz="2000" b="1" dirty="0" smtClean="0"/>
+                        <a:t>Time [min]</a:t>
+                      </a:r>
+                      <a:endParaRPr lang="en-US" sz="2000" b="1" dirty="0"/>
+                    </a:p>
+                  </a:txBody>
+                  <a:tcPr anchor="ctr"/>
+                </a:tc>
+              </a:tr>
+              <a:tr h="648761">
+                <a:tc>
+                  <a:txBody>
+                    <a:bodyPr/>
+                    <a:lstStyle/>
+                    <a:p>
+                      <a:pPr algn="ctr"/>
+                      <a:r>
+                        <a:rPr lang="en-US" dirty="0" smtClean="0"/>
+                        <a:t>2.37</a:t>
+                      </a:r>
+                      <a:endParaRPr lang="en-US" dirty="0"/>
+                    </a:p>
+                  </a:txBody>
+                  <a:tcPr anchor="ctr"/>
+                </a:tc>
+                <a:tc>
+                  <a:txBody>
+                    <a:bodyPr/>
+                    <a:lstStyle/>
+                    <a:p>
+                      <a:pPr algn="ctr"/>
+                      <a:r>
+                        <a:rPr lang="en-US" dirty="0" smtClean="0"/>
+                        <a:t>20</a:t>
+                      </a:r>
+                      <a:endParaRPr lang="en-US" dirty="0"/>
+                    </a:p>
+                  </a:txBody>
+                  <a:tcPr anchor="ctr"/>
+                </a:tc>
+              </a:tr>
+              <a:tr h="648761">
+                <a:tc>
+                  <a:txBody>
+                    <a:bodyPr/>
+                    <a:lstStyle/>
+                    <a:p>
+                      <a:pPr algn="ctr"/>
+                      <a:r>
+                        <a:rPr lang="en-US" dirty="0" smtClean="0"/>
+                        <a:t>2.60 (0.5 </a:t>
+                      </a:r>
+                      <a:r>
+                        <a:rPr lang="en-US" dirty="0" err="1" smtClean="0"/>
+                        <a:t>lb</a:t>
+                      </a:r>
+                      <a:r>
+                        <a:rPr lang="en-US" dirty="0" smtClean="0"/>
+                        <a:t>)</a:t>
+                      </a:r>
+                      <a:endParaRPr lang="en-US" dirty="0"/>
+                    </a:p>
+                  </a:txBody>
+                  <a:tcPr anchor="ctr"/>
+                </a:tc>
+                <a:tc>
+                  <a:txBody>
+                    <a:bodyPr/>
+                    <a:lstStyle/>
+                    <a:p>
+                      <a:pPr algn="ctr"/>
+                      <a:r>
+                        <a:rPr lang="en-US" dirty="0" smtClean="0"/>
+                        <a:t>17.5</a:t>
+                      </a:r>
+                      <a:endParaRPr lang="en-US" dirty="0"/>
+                    </a:p>
+                  </a:txBody>
+                  <a:tcPr anchor="ctr"/>
+                </a:tc>
+              </a:tr>
+              <a:tr h="648761">
+                <a:tc>
+                  <a:txBody>
+                    <a:bodyPr/>
+                    <a:lstStyle/>
+                    <a:p>
+                      <a:pPr algn="ctr"/>
+                      <a:r>
+                        <a:rPr lang="en-US" dirty="0" smtClean="0"/>
+                        <a:t>2.82</a:t>
+                      </a:r>
+                      <a:r>
+                        <a:rPr lang="en-US" baseline="0" dirty="0" smtClean="0"/>
+                        <a:t> (1.0 </a:t>
+                      </a:r>
+                      <a:r>
+                        <a:rPr lang="en-US" baseline="0" dirty="0" err="1" smtClean="0"/>
+                        <a:t>lb</a:t>
+                      </a:r>
+                      <a:r>
+                        <a:rPr lang="en-US" baseline="0" dirty="0" smtClean="0"/>
+                        <a:t>)</a:t>
+                      </a:r>
+                      <a:endParaRPr lang="en-US" dirty="0"/>
+                    </a:p>
+                  </a:txBody>
+                  <a:tcPr anchor="ctr"/>
+                </a:tc>
+                <a:tc>
+                  <a:txBody>
+                    <a:bodyPr/>
+                    <a:lstStyle/>
+                    <a:p>
+                      <a:pPr algn="ctr"/>
+                      <a:r>
+                        <a:rPr lang="en-US" dirty="0" smtClean="0"/>
+                        <a:t>15.6</a:t>
+                      </a:r>
+                      <a:endParaRPr lang="en-US" dirty="0"/>
+                    </a:p>
+                  </a:txBody>
+                  <a:tcPr anchor="ctr"/>
+                </a:tc>
+              </a:tr>
+              <a:tr h="648761">
+                <a:tc>
+                  <a:txBody>
+                    <a:bodyPr/>
+                    <a:lstStyle/>
+                    <a:p>
+                      <a:pPr algn="ctr"/>
+                      <a:r>
+                        <a:rPr lang="en-US" dirty="0" smtClean="0"/>
+                        <a:t>3.87</a:t>
+                      </a:r>
+                      <a:r>
+                        <a:rPr lang="en-US" baseline="0" dirty="0" smtClean="0"/>
+                        <a:t> (MAX)</a:t>
+                      </a:r>
+                      <a:endParaRPr lang="en-US" dirty="0"/>
+                    </a:p>
+                  </a:txBody>
+                  <a:tcPr anchor="ctr"/>
+                </a:tc>
+                <a:tc>
+                  <a:txBody>
+                    <a:bodyPr/>
+                    <a:lstStyle/>
+                    <a:p>
+                      <a:pPr algn="ctr"/>
+                      <a:r>
+                        <a:rPr lang="en-US" dirty="0" smtClean="0"/>
+                        <a:t>10</a:t>
+                      </a:r>
+                      <a:endParaRPr lang="en-US" dirty="0"/>
+                    </a:p>
+                  </a:txBody>
+                  <a:tcPr anchor="ctr"/>
+                </a:tc>
+              </a:tr>
+            </a:tbl>
+          </a:graphicData>
+        </a:graphic>
+      </p:graphicFrame>
     </p:spTree>
     <p:extLst>
       <p:ext uri="{BB962C8B-B14F-4D97-AF65-F5344CB8AC3E}">
@@ -9329,17 +10147,7 @@
                   <a:latin typeface="Candara"/>
                   <a:cs typeface="Candara"/>
                 </a:rPr>
-                <a:t>: </a:t>
-              </a:r>
-              <a:r>
-                <a:rPr lang="en-US" sz="2400" dirty="0" smtClean="0">
-                  <a:solidFill>
-                    <a:srgbClr val="FFFFFF"/>
-                  </a:solidFill>
-                  <a:latin typeface="Candara"/>
-                  <a:cs typeface="Candara"/>
-                </a:rPr>
-                <a:t>Stopping Distance Simulation</a:t>
+                <a:t>: Stopping Distance Simulation</a:t>
               </a:r>
               <a:endParaRPr lang="en-US" sz="2400" dirty="0">
                 <a:solidFill>
@@ -9352,10 +10160,1399 @@
           </p:txBody>
         </p:sp>
       </p:grpSp>
+      <p:pic>
+        <p:nvPicPr>
+          <p:cNvPr id="10" name="Picture 9"/>
+          <p:cNvPicPr/>
+          <p:nvPr/>
+        </p:nvPicPr>
+        <p:blipFill>
+          <a:blip r:embed="rId4">
+            <a:extLst>
+              <a:ext uri="{28A0092B-C50C-407E-A947-70E740481C1C}">
+                <a14:useLocalDpi xmlns:a14="http://schemas.microsoft.com/office/drawing/2010/main" val="0"/>
+              </a:ext>
+            </a:extLst>
+          </a:blip>
+          <a:stretch>
+            <a:fillRect/>
+          </a:stretch>
+        </p:blipFill>
+        <p:spPr>
+          <a:xfrm>
+            <a:off x="242796" y="1414088"/>
+            <a:ext cx="4905078" cy="4250731"/>
+          </a:xfrm>
+          <a:prstGeom prst="rect">
+            <a:avLst/>
+          </a:prstGeom>
+        </p:spPr>
+      </p:pic>
+      <p:pic>
+        <p:nvPicPr>
+          <p:cNvPr id="11" name="Picture 10"/>
+          <p:cNvPicPr/>
+          <p:nvPr/>
+        </p:nvPicPr>
+        <p:blipFill>
+          <a:blip r:embed="rId5">
+            <a:extLst>
+              <a:ext uri="{28A0092B-C50C-407E-A947-70E740481C1C}">
+                <a14:useLocalDpi xmlns:a14="http://schemas.microsoft.com/office/drawing/2010/main" val="0"/>
+              </a:ext>
+            </a:extLst>
+          </a:blip>
+          <a:stretch>
+            <a:fillRect/>
+          </a:stretch>
+        </p:blipFill>
+        <p:spPr>
+          <a:xfrm>
+            <a:off x="5468610" y="2682203"/>
+            <a:ext cx="3419475" cy="1714500"/>
+          </a:xfrm>
+          <a:prstGeom prst="rect">
+            <a:avLst/>
+          </a:prstGeom>
+        </p:spPr>
+      </p:pic>
     </p:spTree>
     <p:extLst>
       <p:ext uri="{BB962C8B-B14F-4D97-AF65-F5344CB8AC3E}">
         <p14:creationId xmlns:p14="http://schemas.microsoft.com/office/powerpoint/2010/main" val="3321140585"/>
+      </p:ext>
+    </p:extLst>
+  </p:cSld>
+  <p:clrMapOvr>
+    <a:masterClrMapping/>
+  </p:clrMapOvr>
+</p:sld>
+</file>
+
+<file path=ppt/slides/slide8.xml><?xml version="1.0" encoding="utf-8"?>
+<p:sld xmlns:a="http://schemas.openxmlformats.org/drawingml/2006/main" xmlns:r="http://schemas.openxmlformats.org/officeDocument/2006/relationships" xmlns:p="http://schemas.openxmlformats.org/presentationml/2006/main">
+  <p:cSld>
+    <p:spTree>
+      <p:nvGrpSpPr>
+        <p:cNvPr id="1" name=""/>
+        <p:cNvGrpSpPr/>
+        <p:nvPr/>
+      </p:nvGrpSpPr>
+      <p:grpSpPr>
+        <a:xfrm>
+          <a:off x="0" y="0"/>
+          <a:ext cx="0" cy="0"/>
+          <a:chOff x="0" y="0"/>
+          <a:chExt cx="0" cy="0"/>
+        </a:xfrm>
+      </p:grpSpPr>
+      <p:grpSp>
+        <p:nvGrpSpPr>
+          <p:cNvPr id="4" name="Group 3"/>
+          <p:cNvGrpSpPr/>
+          <p:nvPr/>
+        </p:nvGrpSpPr>
+        <p:grpSpPr>
+          <a:xfrm>
+            <a:off x="0" y="1"/>
+            <a:ext cx="9144000" cy="844012"/>
+            <a:chOff x="0" y="1"/>
+            <a:chExt cx="9144000" cy="844012"/>
+          </a:xfrm>
+        </p:grpSpPr>
+        <p:cxnSp>
+          <p:nvCxnSpPr>
+            <p:cNvPr id="5" name="Straight Connector 4"/>
+            <p:cNvCxnSpPr/>
+            <p:nvPr/>
+          </p:nvCxnSpPr>
+          <p:spPr>
+            <a:xfrm>
+              <a:off x="0" y="844013"/>
+              <a:ext cx="9144000" cy="0"/>
+            </a:xfrm>
+            <a:prstGeom prst="line">
+              <a:avLst/>
+            </a:prstGeom>
+            <a:ln>
+              <a:solidFill>
+                <a:schemeClr val="tx1"/>
+              </a:solidFill>
+            </a:ln>
+            <a:effectLst/>
+          </p:spPr>
+          <p:style>
+            <a:lnRef idx="2">
+              <a:schemeClr val="accent1"/>
+            </a:lnRef>
+            <a:fillRef idx="0">
+              <a:schemeClr val="accent1"/>
+            </a:fillRef>
+            <a:effectRef idx="1">
+              <a:schemeClr val="accent1"/>
+            </a:effectRef>
+            <a:fontRef idx="minor">
+              <a:schemeClr val="tx1"/>
+            </a:fontRef>
+          </p:style>
+        </p:cxnSp>
+        <p:pic>
+          <p:nvPicPr>
+            <p:cNvPr id="6" name="Picture 5" descr="Screen Shot 2015-10-11 at 11.16.20 AM.png"/>
+            <p:cNvPicPr>
+              <a:picLocks noChangeAspect="1"/>
+            </p:cNvPicPr>
+            <p:nvPr/>
+          </p:nvPicPr>
+          <p:blipFill>
+            <a:blip r:embed="rId2">
+              <a:extLst>
+                <a:ext uri="{28A0092B-C50C-407E-A947-70E740481C1C}">
+                  <a14:useLocalDpi xmlns:a14="http://schemas.microsoft.com/office/drawing/2010/main" val="0"/>
+                </a:ext>
+              </a:extLst>
+            </a:blip>
+            <a:stretch>
+              <a:fillRect/>
+            </a:stretch>
+          </p:blipFill>
+          <p:spPr>
+            <a:xfrm>
+              <a:off x="0" y="1"/>
+              <a:ext cx="1151748" cy="844012"/>
+            </a:xfrm>
+            <a:prstGeom prst="rect">
+              <a:avLst/>
+            </a:prstGeom>
+          </p:spPr>
+        </p:pic>
+        <p:sp>
+          <p:nvSpPr>
+            <p:cNvPr id="7" name="Rectangle 6"/>
+            <p:cNvSpPr/>
+            <p:nvPr/>
+          </p:nvSpPr>
+          <p:spPr>
+            <a:xfrm>
+              <a:off x="1151748" y="2283"/>
+              <a:ext cx="7992252" cy="832104"/>
+            </a:xfrm>
+            <a:prstGeom prst="rect">
+              <a:avLst/>
+            </a:prstGeom>
+            <a:solidFill>
+              <a:schemeClr val="tx1"/>
+            </a:solidFill>
+            <a:ln>
+              <a:solidFill>
+                <a:schemeClr val="tx1"/>
+              </a:solidFill>
+            </a:ln>
+            <a:effectLst/>
+          </p:spPr>
+          <p:style>
+            <a:lnRef idx="1">
+              <a:schemeClr val="accent1"/>
+            </a:lnRef>
+            <a:fillRef idx="3">
+              <a:schemeClr val="accent1"/>
+            </a:fillRef>
+            <a:effectRef idx="2">
+              <a:schemeClr val="accent1"/>
+            </a:effectRef>
+            <a:fontRef idx="minor">
+              <a:schemeClr val="lt1"/>
+            </a:fontRef>
+          </p:style>
+          <p:txBody>
+            <a:bodyPr rtlCol="0" anchor="ctr"/>
+            <a:lstStyle/>
+            <a:p>
+              <a:pPr algn="ctr"/>
+              <a:endParaRPr lang="en-US"/>
+            </a:p>
+          </p:txBody>
+        </p:sp>
+        <p:pic>
+          <p:nvPicPr>
+            <p:cNvPr id="8" name="Picture 7"/>
+            <p:cNvPicPr>
+              <a:picLocks noChangeAspect="1"/>
+            </p:cNvPicPr>
+            <p:nvPr/>
+          </p:nvPicPr>
+          <p:blipFill>
+            <a:blip r:embed="rId3"/>
+            <a:stretch>
+              <a:fillRect/>
+            </a:stretch>
+          </p:blipFill>
+          <p:spPr>
+            <a:xfrm>
+              <a:off x="8311013" y="2283"/>
+              <a:ext cx="832987" cy="832987"/>
+            </a:xfrm>
+            <a:prstGeom prst="rect">
+              <a:avLst/>
+            </a:prstGeom>
+          </p:spPr>
+        </p:pic>
+        <p:sp>
+          <p:nvSpPr>
+            <p:cNvPr id="9" name="TextBox 8"/>
+            <p:cNvSpPr txBox="1"/>
+            <p:nvPr/>
+          </p:nvSpPr>
+          <p:spPr>
+            <a:xfrm>
+              <a:off x="1202040" y="188621"/>
+              <a:ext cx="6983237" cy="461665"/>
+            </a:xfrm>
+            <a:prstGeom prst="rect">
+              <a:avLst/>
+            </a:prstGeom>
+            <a:noFill/>
+          </p:spPr>
+          <p:txBody>
+            <a:bodyPr wrap="square" rtlCol="0">
+              <a:spAutoFit/>
+            </a:bodyPr>
+            <a:lstStyle/>
+            <a:p>
+              <a:pPr algn="ctr"/>
+              <a:r>
+                <a:rPr lang="en-US" sz="2400" dirty="0" err="1" smtClean="0">
+                  <a:solidFill>
+                    <a:srgbClr val="FFFFFF"/>
+                  </a:solidFill>
+                  <a:latin typeface="Candara"/>
+                  <a:cs typeface="Candara"/>
+                </a:rPr>
+                <a:t>FlyNet</a:t>
+              </a:r>
+              <a:r>
+                <a:rPr lang="en-US" sz="2400" dirty="0" smtClean="0">
+                  <a:solidFill>
+                    <a:srgbClr val="FFFFFF"/>
+                  </a:solidFill>
+                  <a:latin typeface="Candara"/>
+                  <a:cs typeface="Candara"/>
+                </a:rPr>
+                <a:t>: </a:t>
+              </a:r>
+              <a:r>
+                <a:rPr lang="en-US" sz="2400" dirty="0" smtClean="0">
+                  <a:solidFill>
+                    <a:srgbClr val="FFFFFF"/>
+                  </a:solidFill>
+                  <a:latin typeface="Candara"/>
+                  <a:cs typeface="Candara"/>
+                </a:rPr>
+                <a:t>Motor Current Estimation</a:t>
+              </a:r>
+              <a:endParaRPr lang="en-US" sz="2400" dirty="0">
+                <a:solidFill>
+                  <a:srgbClr val="FFFFFF"/>
+                </a:solidFill>
+                <a:latin typeface="Candara"/>
+                <a:cs typeface="Candara"/>
+              </a:endParaRPr>
+            </a:p>
+          </p:txBody>
+        </p:sp>
+      </p:grpSp>
+      <p:pic>
+        <p:nvPicPr>
+          <p:cNvPr id="12" name="Picture 11"/>
+          <p:cNvPicPr/>
+          <p:nvPr/>
+        </p:nvPicPr>
+        <p:blipFill>
+          <a:blip r:embed="rId4">
+            <a:extLst>
+              <a:ext uri="{28A0092B-C50C-407E-A947-70E740481C1C}">
+                <a14:useLocalDpi xmlns:a14="http://schemas.microsoft.com/office/drawing/2010/main" val="0"/>
+              </a:ext>
+            </a:extLst>
+          </a:blip>
+          <a:stretch>
+            <a:fillRect/>
+          </a:stretch>
+        </p:blipFill>
+        <p:spPr>
+          <a:xfrm>
+            <a:off x="4154028" y="1181371"/>
+            <a:ext cx="4989972" cy="3783965"/>
+          </a:xfrm>
+          <a:prstGeom prst="rect">
+            <a:avLst/>
+          </a:prstGeom>
+        </p:spPr>
+      </p:pic>
+      <p:graphicFrame>
+        <p:nvGraphicFramePr>
+          <p:cNvPr id="3" name="Table 2"/>
+          <p:cNvGraphicFramePr>
+            <a:graphicFrameLocks noGrp="1"/>
+          </p:cNvGraphicFramePr>
+          <p:nvPr>
+            <p:extLst>
+              <p:ext uri="{D42A27DB-BD31-4B8C-83A1-F6EECF244321}">
+                <p14:modId xmlns:p14="http://schemas.microsoft.com/office/powerpoint/2010/main" val="743113241"/>
+              </p:ext>
+            </p:extLst>
+          </p:nvPr>
+        </p:nvGraphicFramePr>
+        <p:xfrm>
+          <a:off x="7463871" y="5237480"/>
+          <a:ext cx="1442811" cy="1112520"/>
+        </p:xfrm>
+        <a:graphic>
+          <a:graphicData uri="http://schemas.openxmlformats.org/drawingml/2006/table">
+            <a:tbl>
+              <a:tblPr firstRow="1" bandRow="1">
+                <a:tableStyleId>{69CF1AB2-1976-4502-BF36-3FF5EA218861}</a:tableStyleId>
+              </a:tblPr>
+              <a:tblGrid>
+                <a:gridCol w="357505"/>
+                <a:gridCol w="1085306"/>
+              </a:tblGrid>
+              <a:tr h="370840">
+                <a:tc>
+                  <a:txBody>
+                    <a:bodyPr/>
+                    <a:lstStyle/>
+                    <a:p>
+                      <a:r>
+                        <a:rPr lang="en-US" b="1" dirty="0" smtClean="0"/>
+                        <a:t>a</a:t>
+                      </a:r>
+                      <a:endParaRPr lang="en-US" b="1" dirty="0"/>
+                    </a:p>
+                  </a:txBody>
+                  <a:tcPr/>
+                </a:tc>
+                <a:tc>
+                  <a:txBody>
+                    <a:bodyPr/>
+                    <a:lstStyle/>
+                    <a:p>
+                      <a:r>
+                        <a:rPr lang="en-US" dirty="0" smtClean="0"/>
+                        <a:t>4.72E-06</a:t>
+                      </a:r>
+                      <a:endParaRPr lang="en-US" dirty="0"/>
+                    </a:p>
+                  </a:txBody>
+                  <a:tcPr/>
+                </a:tc>
+              </a:tr>
+              <a:tr h="370840">
+                <a:tc>
+                  <a:txBody>
+                    <a:bodyPr/>
+                    <a:lstStyle/>
+                    <a:p>
+                      <a:r>
+                        <a:rPr lang="en-US" b="1" dirty="0" smtClean="0"/>
+                        <a:t>b</a:t>
+                      </a:r>
+                      <a:endParaRPr lang="en-US" b="1" dirty="0"/>
+                    </a:p>
+                  </a:txBody>
+                  <a:tcPr/>
+                </a:tc>
+                <a:tc>
+                  <a:txBody>
+                    <a:bodyPr/>
+                    <a:lstStyle/>
+                    <a:p>
+                      <a:r>
+                        <a:rPr lang="en-US" dirty="0" smtClean="0"/>
+                        <a:t>8.50E-03</a:t>
+                      </a:r>
+                      <a:endParaRPr lang="en-US" dirty="0"/>
+                    </a:p>
+                  </a:txBody>
+                  <a:tcPr/>
+                </a:tc>
+              </a:tr>
+              <a:tr h="370840">
+                <a:tc>
+                  <a:txBody>
+                    <a:bodyPr/>
+                    <a:lstStyle/>
+                    <a:p>
+                      <a:r>
+                        <a:rPr lang="en-US" b="1" dirty="0" smtClean="0"/>
+                        <a:t>c</a:t>
+                      </a:r>
+                      <a:endParaRPr lang="en-US" b="1" dirty="0"/>
+                    </a:p>
+                  </a:txBody>
+                  <a:tcPr/>
+                </a:tc>
+                <a:tc>
+                  <a:txBody>
+                    <a:bodyPr/>
+                    <a:lstStyle/>
+                    <a:p>
+                      <a:r>
+                        <a:rPr lang="en-US" dirty="0" smtClean="0"/>
+                        <a:t>-1.947</a:t>
+                      </a:r>
+                      <a:endParaRPr lang="en-US" dirty="0"/>
+                    </a:p>
+                  </a:txBody>
+                  <a:tcPr/>
+                </a:tc>
+              </a:tr>
+            </a:tbl>
+          </a:graphicData>
+        </a:graphic>
+      </p:graphicFrame>
+      <mc:AlternateContent xmlns:mc="http://schemas.openxmlformats.org/markup-compatibility/2006">
+        <mc:Choice xmlns:a14="http://schemas.microsoft.com/office/drawing/2010/main" Requires="a14">
+          <p:sp>
+            <p:nvSpPr>
+              <p:cNvPr id="13" name="Rectangle 12"/>
+              <p:cNvSpPr/>
+              <p:nvPr/>
+            </p:nvSpPr>
+            <p:spPr>
+              <a:xfrm>
+                <a:off x="5132639" y="5633904"/>
+                <a:ext cx="1928670" cy="375552"/>
+              </a:xfrm>
+              <a:prstGeom prst="rect">
+                <a:avLst/>
+              </a:prstGeom>
+            </p:spPr>
+            <p:txBody>
+              <a:bodyPr wrap="none">
+                <a:spAutoFit/>
+              </a:bodyPr>
+              <a:lstStyle/>
+              <a:p>
+                <a14:m>
+                  <m:oMathPara xmlns:m="http://schemas.openxmlformats.org/officeDocument/2006/math">
+                    <m:oMathParaPr>
+                      <m:jc m:val="centerGroup"/>
+                    </m:oMathParaPr>
+                    <m:oMath xmlns:m="http://schemas.openxmlformats.org/officeDocument/2006/math">
+                      <m:r>
+                        <a:rPr lang="en-US" b="1" i="1"/>
+                        <m:t>𝑰</m:t>
+                      </m:r>
+                      <m:r>
+                        <a:rPr lang="en-US" b="1" i="1"/>
+                        <m:t>=</m:t>
+                      </m:r>
+                      <m:sSup>
+                        <m:sSupPr>
+                          <m:ctrlPr>
+                            <a:rPr lang="en-US" b="1" i="1"/>
+                          </m:ctrlPr>
+                        </m:sSupPr>
+                        <m:e>
+                          <m:r>
+                            <a:rPr lang="en-US" b="1" i="1"/>
+                            <m:t>𝒂</m:t>
+                          </m:r>
+                        </m:e>
+                        <m:sup>
+                          <m:r>
+                            <a:rPr lang="en-US" b="1" i="1"/>
+                            <m:t>𝟐</m:t>
+                          </m:r>
+                        </m:sup>
+                      </m:sSup>
+                      <m:r>
+                        <a:rPr lang="en-US" b="1" i="1"/>
+                        <m:t>𝑻</m:t>
+                      </m:r>
+                      <m:r>
+                        <a:rPr lang="en-US" b="1" i="1"/>
+                        <m:t>∗</m:t>
+                      </m:r>
+                      <m:r>
+                        <a:rPr lang="en-US" b="1" i="1"/>
+                        <m:t>𝒃𝑻</m:t>
+                      </m:r>
+                      <m:r>
+                        <a:rPr lang="en-US" b="1" i="1"/>
+                        <m:t>+</m:t>
+                      </m:r>
+                      <m:r>
+                        <a:rPr lang="en-US" b="1" i="1"/>
+                        <m:t>𝒄</m:t>
+                      </m:r>
+                    </m:oMath>
+                  </m:oMathPara>
+                </a14:m>
+                <a:endParaRPr lang="en-US" b="1" dirty="0"/>
+              </a:p>
+            </p:txBody>
+          </p:sp>
+        </mc:Choice>
+        <mc:Fallback>
+          <p:sp>
+            <p:nvSpPr>
+              <p:cNvPr id="13" name="Rectangle 12"/>
+              <p:cNvSpPr>
+                <a:spLocks noRot="1" noChangeAspect="1" noMove="1" noResize="1" noEditPoints="1" noAdjustHandles="1" noChangeArrowheads="1" noChangeShapeType="1" noTextEdit="1"/>
+              </p:cNvSpPr>
+              <p:nvPr/>
+            </p:nvSpPr>
+            <p:spPr>
+              <a:xfrm>
+                <a:off x="5132639" y="5633904"/>
+                <a:ext cx="1928670" cy="375552"/>
+              </a:xfrm>
+              <a:prstGeom prst="rect">
+                <a:avLst/>
+              </a:prstGeom>
+              <a:blipFill rotWithShape="1">
+                <a:blip r:embed="rId5"/>
+                <a:stretch>
+                  <a:fillRect/>
+                </a:stretch>
+              </a:blipFill>
+            </p:spPr>
+            <p:txBody>
+              <a:bodyPr/>
+              <a:lstStyle/>
+              <a:p>
+                <a:r>
+                  <a:rPr lang="en-US">
+                    <a:noFill/>
+                  </a:rPr>
+                  <a:t> </a:t>
+                </a:r>
+              </a:p>
+            </p:txBody>
+          </p:sp>
+        </mc:Fallback>
+      </mc:AlternateContent>
+      <p:graphicFrame>
+        <p:nvGraphicFramePr>
+          <p:cNvPr id="14" name="Table 13"/>
+          <p:cNvGraphicFramePr>
+            <a:graphicFrameLocks noGrp="1"/>
+          </p:cNvGraphicFramePr>
+          <p:nvPr>
+            <p:extLst>
+              <p:ext uri="{D42A27DB-BD31-4B8C-83A1-F6EECF244321}">
+                <p14:modId xmlns:p14="http://schemas.microsoft.com/office/powerpoint/2010/main" val="2032636124"/>
+              </p:ext>
+            </p:extLst>
+          </p:nvPr>
+        </p:nvGraphicFramePr>
+        <p:xfrm>
+          <a:off x="0" y="1723851"/>
+          <a:ext cx="4229363" cy="1349502"/>
+        </p:xfrm>
+        <a:graphic>
+          <a:graphicData uri="http://schemas.openxmlformats.org/drawingml/2006/table">
+            <a:tbl>
+              <a:tblPr firstRow="1" firstCol="1" bandRow="1">
+                <a:tableStyleId>{5C22544A-7EE6-4342-B048-85BDC9FD1C3A}</a:tableStyleId>
+              </a:tblPr>
+              <a:tblGrid>
+                <a:gridCol w="1084562"/>
+                <a:gridCol w="1048267"/>
+                <a:gridCol w="1048267"/>
+                <a:gridCol w="1048267"/>
+              </a:tblGrid>
+              <a:tr h="0">
+                <a:tc>
+                  <a:txBody>
+                    <a:bodyPr/>
+                    <a:lstStyle/>
+                    <a:p>
+                      <a:pPr marL="0" marR="0" algn="ctr">
+                        <a:lnSpc>
+                          <a:spcPct val="115000"/>
+                        </a:lnSpc>
+                        <a:spcBef>
+                          <a:spcPts val="0"/>
+                        </a:spcBef>
+                        <a:spcAft>
+                          <a:spcPts val="0"/>
+                        </a:spcAft>
+                      </a:pPr>
+                      <a:r>
+                        <a:rPr lang="en-US" sz="1100" dirty="0">
+                          <a:effectLst/>
+                        </a:rPr>
+                        <a:t>Propeller</a:t>
+                      </a:r>
+                      <a:endParaRPr lang="en-US" sz="1100" dirty="0">
+                        <a:effectLst/>
+                        <a:latin typeface="Calibri"/>
+                        <a:ea typeface="Calibri"/>
+                        <a:cs typeface="Times New Roman"/>
+                      </a:endParaRPr>
+                    </a:p>
+                  </a:txBody>
+                  <a:tcPr marL="68580" marR="68580" marT="0" marB="0"/>
+                </a:tc>
+                <a:tc>
+                  <a:txBody>
+                    <a:bodyPr/>
+                    <a:lstStyle/>
+                    <a:p>
+                      <a:pPr marL="0" marR="0" algn="ctr">
+                        <a:lnSpc>
+                          <a:spcPct val="115000"/>
+                        </a:lnSpc>
+                        <a:spcBef>
+                          <a:spcPts val="0"/>
+                        </a:spcBef>
+                        <a:spcAft>
+                          <a:spcPts val="0"/>
+                        </a:spcAft>
+                      </a:pPr>
+                      <a:r>
+                        <a:rPr lang="en-US" sz="1100" dirty="0">
+                          <a:effectLst/>
+                        </a:rPr>
+                        <a:t>Throttle</a:t>
+                      </a:r>
+                      <a:endParaRPr lang="en-US" sz="1100" dirty="0">
+                        <a:effectLst/>
+                        <a:latin typeface="Calibri"/>
+                        <a:ea typeface="Calibri"/>
+                        <a:cs typeface="Times New Roman"/>
+                      </a:endParaRPr>
+                    </a:p>
+                  </a:txBody>
+                  <a:tcPr marL="68580" marR="68580" marT="0" marB="0"/>
+                </a:tc>
+                <a:tc>
+                  <a:txBody>
+                    <a:bodyPr/>
+                    <a:lstStyle/>
+                    <a:p>
+                      <a:pPr marL="0" marR="0" algn="ctr">
+                        <a:lnSpc>
+                          <a:spcPct val="115000"/>
+                        </a:lnSpc>
+                        <a:spcBef>
+                          <a:spcPts val="0"/>
+                        </a:spcBef>
+                        <a:spcAft>
+                          <a:spcPts val="0"/>
+                        </a:spcAft>
+                      </a:pPr>
+                      <a:r>
+                        <a:rPr lang="en-US" sz="1100">
+                          <a:effectLst/>
+                        </a:rPr>
+                        <a:t>Current Draw [A]</a:t>
+                      </a:r>
+                      <a:endParaRPr lang="en-US" sz="1100">
+                        <a:effectLst/>
+                        <a:latin typeface="Calibri"/>
+                        <a:ea typeface="Calibri"/>
+                        <a:cs typeface="Times New Roman"/>
+                      </a:endParaRPr>
+                    </a:p>
+                  </a:txBody>
+                  <a:tcPr marL="68580" marR="68580" marT="0" marB="0"/>
+                </a:tc>
+                <a:tc>
+                  <a:txBody>
+                    <a:bodyPr/>
+                    <a:lstStyle/>
+                    <a:p>
+                      <a:pPr marL="0" marR="0" algn="ctr">
+                        <a:lnSpc>
+                          <a:spcPct val="115000"/>
+                        </a:lnSpc>
+                        <a:spcBef>
+                          <a:spcPts val="0"/>
+                        </a:spcBef>
+                        <a:spcAft>
+                          <a:spcPts val="0"/>
+                        </a:spcAft>
+                      </a:pPr>
+                      <a:r>
+                        <a:rPr lang="en-US" sz="1100">
+                          <a:effectLst/>
+                        </a:rPr>
+                        <a:t>Thrust [g]</a:t>
+                      </a:r>
+                      <a:endParaRPr lang="en-US" sz="1100">
+                        <a:effectLst/>
+                        <a:latin typeface="Calibri"/>
+                        <a:ea typeface="Calibri"/>
+                        <a:cs typeface="Times New Roman"/>
+                      </a:endParaRPr>
+                    </a:p>
+                  </a:txBody>
+                  <a:tcPr marL="68580" marR="68580" marT="0" marB="0"/>
+                </a:tc>
+              </a:tr>
+              <a:tr h="0">
+                <a:tc rowSpan="5">
+                  <a:txBody>
+                    <a:bodyPr/>
+                    <a:lstStyle/>
+                    <a:p>
+                      <a:pPr marL="0" marR="0" algn="ctr">
+                        <a:lnSpc>
+                          <a:spcPct val="115000"/>
+                        </a:lnSpc>
+                        <a:spcBef>
+                          <a:spcPts val="0"/>
+                        </a:spcBef>
+                        <a:spcAft>
+                          <a:spcPts val="0"/>
+                        </a:spcAft>
+                      </a:pPr>
+                      <a:r>
+                        <a:rPr lang="en-US" sz="1100" dirty="0">
+                          <a:effectLst/>
+                        </a:rPr>
+                        <a:t>10x3.8</a:t>
+                      </a:r>
+                      <a:endParaRPr lang="en-US" sz="1100" dirty="0">
+                        <a:effectLst/>
+                        <a:latin typeface="Calibri"/>
+                        <a:ea typeface="Calibri"/>
+                        <a:cs typeface="Times New Roman"/>
+                      </a:endParaRPr>
+                    </a:p>
+                  </a:txBody>
+                  <a:tcPr marL="68580" marR="68580" marT="0" marB="0" anchor="ctr"/>
+                </a:tc>
+                <a:tc>
+                  <a:txBody>
+                    <a:bodyPr/>
+                    <a:lstStyle/>
+                    <a:p>
+                      <a:pPr marL="0" marR="0" algn="ctr">
+                        <a:lnSpc>
+                          <a:spcPct val="115000"/>
+                        </a:lnSpc>
+                        <a:spcBef>
+                          <a:spcPts val="0"/>
+                        </a:spcBef>
+                        <a:spcAft>
+                          <a:spcPts val="0"/>
+                        </a:spcAft>
+                      </a:pPr>
+                      <a:r>
+                        <a:rPr lang="en-US" sz="1100">
+                          <a:effectLst/>
+                        </a:rPr>
+                        <a:t>50%</a:t>
+                      </a:r>
+                      <a:endParaRPr lang="en-US" sz="1100">
+                        <a:effectLst/>
+                        <a:latin typeface="Calibri"/>
+                        <a:ea typeface="Calibri"/>
+                        <a:cs typeface="Times New Roman"/>
+                      </a:endParaRPr>
+                    </a:p>
+                  </a:txBody>
+                  <a:tcPr marL="68580" marR="68580" marT="0" marB="0"/>
+                </a:tc>
+                <a:tc>
+                  <a:txBody>
+                    <a:bodyPr/>
+                    <a:lstStyle/>
+                    <a:p>
+                      <a:pPr marL="0" marR="0" algn="ctr">
+                        <a:lnSpc>
+                          <a:spcPct val="115000"/>
+                        </a:lnSpc>
+                        <a:spcBef>
+                          <a:spcPts val="0"/>
+                        </a:spcBef>
+                        <a:spcAft>
+                          <a:spcPts val="0"/>
+                        </a:spcAft>
+                      </a:pPr>
+                      <a:r>
+                        <a:rPr lang="en-US" sz="1100">
+                          <a:effectLst/>
+                        </a:rPr>
+                        <a:t>3.3</a:t>
+                      </a:r>
+                      <a:endParaRPr lang="en-US" sz="1100">
+                        <a:effectLst/>
+                        <a:latin typeface="Calibri"/>
+                        <a:ea typeface="Calibri"/>
+                        <a:cs typeface="Times New Roman"/>
+                      </a:endParaRPr>
+                    </a:p>
+                  </a:txBody>
+                  <a:tcPr marL="68580" marR="68580" marT="0" marB="0"/>
+                </a:tc>
+                <a:tc>
+                  <a:txBody>
+                    <a:bodyPr/>
+                    <a:lstStyle/>
+                    <a:p>
+                      <a:pPr marL="0" marR="0" algn="ctr">
+                        <a:lnSpc>
+                          <a:spcPct val="115000"/>
+                        </a:lnSpc>
+                        <a:spcBef>
+                          <a:spcPts val="0"/>
+                        </a:spcBef>
+                        <a:spcAft>
+                          <a:spcPts val="0"/>
+                        </a:spcAft>
+                      </a:pPr>
+                      <a:r>
+                        <a:rPr lang="en-US" sz="1100">
+                          <a:effectLst/>
+                        </a:rPr>
+                        <a:t>480</a:t>
+                      </a:r>
+                      <a:endParaRPr lang="en-US" sz="1100">
+                        <a:effectLst/>
+                        <a:latin typeface="Calibri"/>
+                        <a:ea typeface="Calibri"/>
+                        <a:cs typeface="Times New Roman"/>
+                      </a:endParaRPr>
+                    </a:p>
+                  </a:txBody>
+                  <a:tcPr marL="68580" marR="68580" marT="0" marB="0"/>
+                </a:tc>
+              </a:tr>
+              <a:tr h="0">
+                <a:tc vMerge="1">
+                  <a:txBody>
+                    <a:bodyPr/>
+                    <a:lstStyle/>
+                    <a:p>
+                      <a:endParaRPr lang="en-US"/>
+                    </a:p>
+                  </a:txBody>
+                  <a:tcPr/>
+                </a:tc>
+                <a:tc>
+                  <a:txBody>
+                    <a:bodyPr/>
+                    <a:lstStyle/>
+                    <a:p>
+                      <a:pPr marL="0" marR="0" algn="ctr">
+                        <a:lnSpc>
+                          <a:spcPct val="115000"/>
+                        </a:lnSpc>
+                        <a:spcBef>
+                          <a:spcPts val="0"/>
+                        </a:spcBef>
+                        <a:spcAft>
+                          <a:spcPts val="0"/>
+                        </a:spcAft>
+                      </a:pPr>
+                      <a:r>
+                        <a:rPr lang="en-US" sz="1100">
+                          <a:effectLst/>
+                        </a:rPr>
+                        <a:t>65%</a:t>
+                      </a:r>
+                      <a:endParaRPr lang="en-US" sz="1100">
+                        <a:effectLst/>
+                        <a:latin typeface="Calibri"/>
+                        <a:ea typeface="Calibri"/>
+                        <a:cs typeface="Times New Roman"/>
+                      </a:endParaRPr>
+                    </a:p>
+                  </a:txBody>
+                  <a:tcPr marL="68580" marR="68580" marT="0" marB="0"/>
+                </a:tc>
+                <a:tc>
+                  <a:txBody>
+                    <a:bodyPr/>
+                    <a:lstStyle/>
+                    <a:p>
+                      <a:pPr marL="0" marR="0" algn="ctr">
+                        <a:lnSpc>
+                          <a:spcPct val="115000"/>
+                        </a:lnSpc>
+                        <a:spcBef>
+                          <a:spcPts val="0"/>
+                        </a:spcBef>
+                        <a:spcAft>
+                          <a:spcPts val="0"/>
+                        </a:spcAft>
+                      </a:pPr>
+                      <a:r>
+                        <a:rPr lang="en-US" sz="1100">
+                          <a:effectLst/>
+                        </a:rPr>
+                        <a:t>5.4</a:t>
+                      </a:r>
+                      <a:endParaRPr lang="en-US" sz="1100">
+                        <a:effectLst/>
+                        <a:latin typeface="Calibri"/>
+                        <a:ea typeface="Calibri"/>
+                        <a:cs typeface="Times New Roman"/>
+                      </a:endParaRPr>
+                    </a:p>
+                  </a:txBody>
+                  <a:tcPr marL="68580" marR="68580" marT="0" marB="0"/>
+                </a:tc>
+                <a:tc>
+                  <a:txBody>
+                    <a:bodyPr/>
+                    <a:lstStyle/>
+                    <a:p>
+                      <a:pPr marL="0" marR="0" algn="ctr">
+                        <a:lnSpc>
+                          <a:spcPct val="115000"/>
+                        </a:lnSpc>
+                        <a:spcBef>
+                          <a:spcPts val="0"/>
+                        </a:spcBef>
+                        <a:spcAft>
+                          <a:spcPts val="0"/>
+                        </a:spcAft>
+                      </a:pPr>
+                      <a:r>
+                        <a:rPr lang="en-US" sz="1100">
+                          <a:effectLst/>
+                        </a:rPr>
+                        <a:t>650</a:t>
+                      </a:r>
+                      <a:endParaRPr lang="en-US" sz="1100">
+                        <a:effectLst/>
+                        <a:latin typeface="Calibri"/>
+                        <a:ea typeface="Calibri"/>
+                        <a:cs typeface="Times New Roman"/>
+                      </a:endParaRPr>
+                    </a:p>
+                  </a:txBody>
+                  <a:tcPr marL="68580" marR="68580" marT="0" marB="0"/>
+                </a:tc>
+              </a:tr>
+              <a:tr h="0">
+                <a:tc vMerge="1">
+                  <a:txBody>
+                    <a:bodyPr/>
+                    <a:lstStyle/>
+                    <a:p>
+                      <a:endParaRPr lang="en-US"/>
+                    </a:p>
+                  </a:txBody>
+                  <a:tcPr/>
+                </a:tc>
+                <a:tc>
+                  <a:txBody>
+                    <a:bodyPr/>
+                    <a:lstStyle/>
+                    <a:p>
+                      <a:pPr marL="0" marR="0" algn="ctr">
+                        <a:lnSpc>
+                          <a:spcPct val="115000"/>
+                        </a:lnSpc>
+                        <a:spcBef>
+                          <a:spcPts val="0"/>
+                        </a:spcBef>
+                        <a:spcAft>
+                          <a:spcPts val="0"/>
+                        </a:spcAft>
+                      </a:pPr>
+                      <a:r>
+                        <a:rPr lang="en-US" sz="1100">
+                          <a:effectLst/>
+                        </a:rPr>
+                        <a:t>75%</a:t>
+                      </a:r>
+                      <a:endParaRPr lang="en-US" sz="1100">
+                        <a:effectLst/>
+                        <a:latin typeface="Calibri"/>
+                        <a:ea typeface="Calibri"/>
+                        <a:cs typeface="Times New Roman"/>
+                      </a:endParaRPr>
+                    </a:p>
+                  </a:txBody>
+                  <a:tcPr marL="68580" marR="68580" marT="0" marB="0"/>
+                </a:tc>
+                <a:tc>
+                  <a:txBody>
+                    <a:bodyPr/>
+                    <a:lstStyle/>
+                    <a:p>
+                      <a:pPr marL="0" marR="0" algn="ctr">
+                        <a:lnSpc>
+                          <a:spcPct val="115000"/>
+                        </a:lnSpc>
+                        <a:spcBef>
+                          <a:spcPts val="0"/>
+                        </a:spcBef>
+                        <a:spcAft>
+                          <a:spcPts val="0"/>
+                        </a:spcAft>
+                      </a:pPr>
+                      <a:r>
+                        <a:rPr lang="en-US" sz="1100">
+                          <a:effectLst/>
+                        </a:rPr>
+                        <a:t>8.1</a:t>
+                      </a:r>
+                      <a:endParaRPr lang="en-US" sz="1100">
+                        <a:effectLst/>
+                        <a:latin typeface="Calibri"/>
+                        <a:ea typeface="Calibri"/>
+                        <a:cs typeface="Times New Roman"/>
+                      </a:endParaRPr>
+                    </a:p>
+                  </a:txBody>
+                  <a:tcPr marL="68580" marR="68580" marT="0" marB="0"/>
+                </a:tc>
+                <a:tc>
+                  <a:txBody>
+                    <a:bodyPr/>
+                    <a:lstStyle/>
+                    <a:p>
+                      <a:pPr marL="0" marR="0" algn="ctr">
+                        <a:lnSpc>
+                          <a:spcPct val="115000"/>
+                        </a:lnSpc>
+                        <a:spcBef>
+                          <a:spcPts val="0"/>
+                        </a:spcBef>
+                        <a:spcAft>
+                          <a:spcPts val="0"/>
+                        </a:spcAft>
+                      </a:pPr>
+                      <a:r>
+                        <a:rPr lang="en-US" sz="1100">
+                          <a:effectLst/>
+                        </a:rPr>
+                        <a:t>810</a:t>
+                      </a:r>
+                      <a:endParaRPr lang="en-US" sz="1100">
+                        <a:effectLst/>
+                        <a:latin typeface="Calibri"/>
+                        <a:ea typeface="Calibri"/>
+                        <a:cs typeface="Times New Roman"/>
+                      </a:endParaRPr>
+                    </a:p>
+                  </a:txBody>
+                  <a:tcPr marL="68580" marR="68580" marT="0" marB="0"/>
+                </a:tc>
+              </a:tr>
+              <a:tr h="0">
+                <a:tc vMerge="1">
+                  <a:txBody>
+                    <a:bodyPr/>
+                    <a:lstStyle/>
+                    <a:p>
+                      <a:endParaRPr lang="en-US"/>
+                    </a:p>
+                  </a:txBody>
+                  <a:tcPr/>
+                </a:tc>
+                <a:tc>
+                  <a:txBody>
+                    <a:bodyPr/>
+                    <a:lstStyle/>
+                    <a:p>
+                      <a:pPr marL="0" marR="0" algn="ctr">
+                        <a:lnSpc>
+                          <a:spcPct val="115000"/>
+                        </a:lnSpc>
+                        <a:spcBef>
+                          <a:spcPts val="0"/>
+                        </a:spcBef>
+                        <a:spcAft>
+                          <a:spcPts val="0"/>
+                        </a:spcAft>
+                      </a:pPr>
+                      <a:r>
+                        <a:rPr lang="en-US" sz="1100">
+                          <a:effectLst/>
+                        </a:rPr>
+                        <a:t>85%</a:t>
+                      </a:r>
+                      <a:endParaRPr lang="en-US" sz="1100">
+                        <a:effectLst/>
+                        <a:latin typeface="Calibri"/>
+                        <a:ea typeface="Calibri"/>
+                        <a:cs typeface="Times New Roman"/>
+                      </a:endParaRPr>
+                    </a:p>
+                  </a:txBody>
+                  <a:tcPr marL="68580" marR="68580" marT="0" marB="0"/>
+                </a:tc>
+                <a:tc>
+                  <a:txBody>
+                    <a:bodyPr/>
+                    <a:lstStyle/>
+                    <a:p>
+                      <a:pPr marL="0" marR="0" algn="ctr">
+                        <a:lnSpc>
+                          <a:spcPct val="115000"/>
+                        </a:lnSpc>
+                        <a:spcBef>
+                          <a:spcPts val="0"/>
+                        </a:spcBef>
+                        <a:spcAft>
+                          <a:spcPts val="0"/>
+                        </a:spcAft>
+                      </a:pPr>
+                      <a:r>
+                        <a:rPr lang="en-US" sz="1100">
+                          <a:effectLst/>
+                        </a:rPr>
+                        <a:t>11.9</a:t>
+                      </a:r>
+                      <a:endParaRPr lang="en-US" sz="1100">
+                        <a:effectLst/>
+                        <a:latin typeface="Calibri"/>
+                        <a:ea typeface="Calibri"/>
+                        <a:cs typeface="Times New Roman"/>
+                      </a:endParaRPr>
+                    </a:p>
+                  </a:txBody>
+                  <a:tcPr marL="68580" marR="68580" marT="0" marB="0"/>
+                </a:tc>
+                <a:tc>
+                  <a:txBody>
+                    <a:bodyPr/>
+                    <a:lstStyle/>
+                    <a:p>
+                      <a:pPr marL="0" marR="0" algn="ctr">
+                        <a:lnSpc>
+                          <a:spcPct val="115000"/>
+                        </a:lnSpc>
+                        <a:spcBef>
+                          <a:spcPts val="0"/>
+                        </a:spcBef>
+                        <a:spcAft>
+                          <a:spcPts val="0"/>
+                        </a:spcAft>
+                      </a:pPr>
+                      <a:r>
+                        <a:rPr lang="en-US" sz="1100">
+                          <a:effectLst/>
+                        </a:rPr>
+                        <a:t>1030</a:t>
+                      </a:r>
+                      <a:endParaRPr lang="en-US" sz="1100">
+                        <a:effectLst/>
+                        <a:latin typeface="Calibri"/>
+                        <a:ea typeface="Calibri"/>
+                        <a:cs typeface="Times New Roman"/>
+                      </a:endParaRPr>
+                    </a:p>
+                  </a:txBody>
+                  <a:tcPr marL="68580" marR="68580" marT="0" marB="0"/>
+                </a:tc>
+              </a:tr>
+              <a:tr h="0">
+                <a:tc vMerge="1">
+                  <a:txBody>
+                    <a:bodyPr/>
+                    <a:lstStyle/>
+                    <a:p>
+                      <a:endParaRPr lang="en-US"/>
+                    </a:p>
+                  </a:txBody>
+                  <a:tcPr/>
+                </a:tc>
+                <a:tc>
+                  <a:txBody>
+                    <a:bodyPr/>
+                    <a:lstStyle/>
+                    <a:p>
+                      <a:pPr marL="0" marR="0" algn="ctr">
+                        <a:lnSpc>
+                          <a:spcPct val="115000"/>
+                        </a:lnSpc>
+                        <a:spcBef>
+                          <a:spcPts val="0"/>
+                        </a:spcBef>
+                        <a:spcAft>
+                          <a:spcPts val="0"/>
+                        </a:spcAft>
+                      </a:pPr>
+                      <a:r>
+                        <a:rPr lang="en-US" sz="1100">
+                          <a:effectLst/>
+                        </a:rPr>
+                        <a:t>100%</a:t>
+                      </a:r>
+                      <a:endParaRPr lang="en-US" sz="1100">
+                        <a:effectLst/>
+                        <a:latin typeface="Calibri"/>
+                        <a:ea typeface="Calibri"/>
+                        <a:cs typeface="Times New Roman"/>
+                      </a:endParaRPr>
+                    </a:p>
+                  </a:txBody>
+                  <a:tcPr marL="68580" marR="68580" marT="0" marB="0"/>
+                </a:tc>
+                <a:tc>
+                  <a:txBody>
+                    <a:bodyPr/>
+                    <a:lstStyle/>
+                    <a:p>
+                      <a:pPr marL="0" marR="0" algn="ctr">
+                        <a:lnSpc>
+                          <a:spcPct val="115000"/>
+                        </a:lnSpc>
+                        <a:spcBef>
+                          <a:spcPts val="0"/>
+                        </a:spcBef>
+                        <a:spcAft>
+                          <a:spcPts val="0"/>
+                        </a:spcAft>
+                      </a:pPr>
+                      <a:r>
+                        <a:rPr lang="en-US" sz="1100">
+                          <a:effectLst/>
+                        </a:rPr>
+                        <a:t>15.2</a:t>
+                      </a:r>
+                      <a:endParaRPr lang="en-US" sz="1100">
+                        <a:effectLst/>
+                        <a:latin typeface="Calibri"/>
+                        <a:ea typeface="Calibri"/>
+                        <a:cs typeface="Times New Roman"/>
+                      </a:endParaRPr>
+                    </a:p>
+                  </a:txBody>
+                  <a:tcPr marL="68580" marR="68580" marT="0" marB="0"/>
+                </a:tc>
+                <a:tc>
+                  <a:txBody>
+                    <a:bodyPr/>
+                    <a:lstStyle/>
+                    <a:p>
+                      <a:pPr marL="0" marR="0" algn="ctr">
+                        <a:lnSpc>
+                          <a:spcPct val="115000"/>
+                        </a:lnSpc>
+                        <a:spcBef>
+                          <a:spcPts val="0"/>
+                        </a:spcBef>
+                        <a:spcAft>
+                          <a:spcPts val="0"/>
+                        </a:spcAft>
+                      </a:pPr>
+                      <a:r>
+                        <a:rPr lang="en-US" sz="1100" dirty="0">
+                          <a:effectLst/>
+                        </a:rPr>
+                        <a:t>1210</a:t>
+                      </a:r>
+                      <a:endParaRPr lang="en-US" sz="1100" dirty="0">
+                        <a:effectLst/>
+                        <a:latin typeface="Calibri"/>
+                        <a:ea typeface="Calibri"/>
+                        <a:cs typeface="Times New Roman"/>
+                      </a:endParaRPr>
+                    </a:p>
+                  </a:txBody>
+                  <a:tcPr marL="68580" marR="68580" marT="0" marB="0"/>
+                </a:tc>
+              </a:tr>
+            </a:tbl>
+          </a:graphicData>
+        </a:graphic>
+      </p:graphicFrame>
+      <p:sp>
+        <p:nvSpPr>
+          <p:cNvPr id="15" name="TextBox 14"/>
+          <p:cNvSpPr txBox="1"/>
+          <p:nvPr/>
+        </p:nvSpPr>
+        <p:spPr>
+          <a:xfrm>
+            <a:off x="0" y="1077520"/>
+            <a:ext cx="4229363" cy="646331"/>
+          </a:xfrm>
+          <a:prstGeom prst="rect">
+            <a:avLst/>
+          </a:prstGeom>
+          <a:noFill/>
+        </p:spPr>
+        <p:txBody>
+          <a:bodyPr wrap="square" rtlCol="0">
+            <a:spAutoFit/>
+          </a:bodyPr>
+          <a:lstStyle/>
+          <a:p>
+            <a:pPr algn="ctr"/>
+            <a:r>
+              <a:rPr lang="en-US" dirty="0" smtClean="0"/>
+              <a:t>Experimental Results of </a:t>
+            </a:r>
+            <a:r>
+              <a:rPr lang="en-US" dirty="0" err="1" smtClean="0"/>
+              <a:t>SunnySky</a:t>
+            </a:r>
+            <a:r>
+              <a:rPr lang="en-US" dirty="0" smtClean="0"/>
+              <a:t> V2212 Motors</a:t>
+            </a:r>
+            <a:endParaRPr lang="en-US" dirty="0"/>
+          </a:p>
+        </p:txBody>
+      </p:sp>
+      <p:sp>
+        <p:nvSpPr>
+          <p:cNvPr id="16" name="TextBox 15"/>
+          <p:cNvSpPr txBox="1"/>
+          <p:nvPr/>
+        </p:nvSpPr>
+        <p:spPr>
+          <a:xfrm>
+            <a:off x="54467" y="3799621"/>
+            <a:ext cx="4174895" cy="1477328"/>
+          </a:xfrm>
+          <a:prstGeom prst="rect">
+            <a:avLst/>
+          </a:prstGeom>
+          <a:noFill/>
+        </p:spPr>
+        <p:txBody>
+          <a:bodyPr wrap="square" rtlCol="0">
+            <a:spAutoFit/>
+          </a:bodyPr>
+          <a:lstStyle/>
+          <a:p>
+            <a:pPr marL="285750" indent="-285750">
+              <a:buFont typeface="Arial" panose="020B0604020202020204" pitchFamily="34" charset="0"/>
+              <a:buChar char="•"/>
+            </a:pPr>
+            <a:r>
+              <a:rPr lang="en-US" dirty="0" smtClean="0"/>
+              <a:t>Experimental results were found for 10x3.8 propeller</a:t>
+            </a:r>
+          </a:p>
+          <a:p>
+            <a:pPr marL="285750" indent="-285750">
+              <a:buFont typeface="Arial" panose="020B0604020202020204" pitchFamily="34" charset="0"/>
+              <a:buChar char="•"/>
+            </a:pPr>
+            <a:endParaRPr lang="en-US" dirty="0" smtClean="0"/>
+          </a:p>
+          <a:p>
+            <a:pPr marL="285750" indent="-285750">
+              <a:buFont typeface="Arial" panose="020B0604020202020204" pitchFamily="34" charset="0"/>
+              <a:buChar char="•"/>
+            </a:pPr>
+            <a:r>
+              <a:rPr lang="en-US" dirty="0" smtClean="0"/>
+              <a:t>Quadratic fit to get an equation for current depending on thrust</a:t>
+            </a:r>
+          </a:p>
+        </p:txBody>
+      </p:sp>
+    </p:spTree>
+    <p:extLst>
+      <p:ext uri="{BB962C8B-B14F-4D97-AF65-F5344CB8AC3E}">
+        <p14:creationId xmlns:p14="http://schemas.microsoft.com/office/powerpoint/2010/main" val="2881524901"/>
       </p:ext>
     </p:extLst>
   </p:cSld>
